--- a/HAG.pptx
+++ b/HAG.pptx
@@ -6,6 +6,7 @@
   </p:sldMasterIdLst>
   <p:sldIdLst>
     <p:sldId id="256" r:id="rId2"/>
+    <p:sldId id="257" r:id="rId3"/>
   </p:sldIdLst>
   <p:sldSz cx="15011400" cy="6858000"/>
   <p:notesSz cx="6858000" cy="9144000"/>
@@ -243,7 +244,7 @@
           <a:p>
             <a:fld id="{6A760CD2-9EA9-423A-A57C-8D49B3B57E0D}" type="datetimeFigureOut">
               <a:rPr lang="zh-CN" altLang="en-US" smtClean="0"/>
-              <a:t>2019/7/29</a:t>
+              <a:t>2019/8/5</a:t>
             </a:fld>
             <a:endParaRPr lang="zh-CN" altLang="en-US"/>
           </a:p>
@@ -413,7 +414,7 @@
           <a:p>
             <a:fld id="{6A760CD2-9EA9-423A-A57C-8D49B3B57E0D}" type="datetimeFigureOut">
               <a:rPr lang="zh-CN" altLang="en-US" smtClean="0"/>
-              <a:t>2019/7/29</a:t>
+              <a:t>2019/8/5</a:t>
             </a:fld>
             <a:endParaRPr lang="zh-CN" altLang="en-US"/>
           </a:p>
@@ -593,7 +594,7 @@
           <a:p>
             <a:fld id="{6A760CD2-9EA9-423A-A57C-8D49B3B57E0D}" type="datetimeFigureOut">
               <a:rPr lang="zh-CN" altLang="en-US" smtClean="0"/>
-              <a:t>2019/7/29</a:t>
+              <a:t>2019/8/5</a:t>
             </a:fld>
             <a:endParaRPr lang="zh-CN" altLang="en-US"/>
           </a:p>
@@ -763,7 +764,7 @@
           <a:p>
             <a:fld id="{6A760CD2-9EA9-423A-A57C-8D49B3B57E0D}" type="datetimeFigureOut">
               <a:rPr lang="zh-CN" altLang="en-US" smtClean="0"/>
-              <a:t>2019/7/29</a:t>
+              <a:t>2019/8/5</a:t>
             </a:fld>
             <a:endParaRPr lang="zh-CN" altLang="en-US"/>
           </a:p>
@@ -1009,7 +1010,7 @@
           <a:p>
             <a:fld id="{6A760CD2-9EA9-423A-A57C-8D49B3B57E0D}" type="datetimeFigureOut">
               <a:rPr lang="zh-CN" altLang="en-US" smtClean="0"/>
-              <a:t>2019/7/29</a:t>
+              <a:t>2019/8/5</a:t>
             </a:fld>
             <a:endParaRPr lang="zh-CN" altLang="en-US"/>
           </a:p>
@@ -1241,7 +1242,7 @@
           <a:p>
             <a:fld id="{6A760CD2-9EA9-423A-A57C-8D49B3B57E0D}" type="datetimeFigureOut">
               <a:rPr lang="zh-CN" altLang="en-US" smtClean="0"/>
-              <a:t>2019/7/29</a:t>
+              <a:t>2019/8/5</a:t>
             </a:fld>
             <a:endParaRPr lang="zh-CN" altLang="en-US"/>
           </a:p>
@@ -1608,7 +1609,7 @@
           <a:p>
             <a:fld id="{6A760CD2-9EA9-423A-A57C-8D49B3B57E0D}" type="datetimeFigureOut">
               <a:rPr lang="zh-CN" altLang="en-US" smtClean="0"/>
-              <a:t>2019/7/29</a:t>
+              <a:t>2019/8/5</a:t>
             </a:fld>
             <a:endParaRPr lang="zh-CN" altLang="en-US"/>
           </a:p>
@@ -1726,7 +1727,7 @@
           <a:p>
             <a:fld id="{6A760CD2-9EA9-423A-A57C-8D49B3B57E0D}" type="datetimeFigureOut">
               <a:rPr lang="zh-CN" altLang="en-US" smtClean="0"/>
-              <a:t>2019/7/29</a:t>
+              <a:t>2019/8/5</a:t>
             </a:fld>
             <a:endParaRPr lang="zh-CN" altLang="en-US"/>
           </a:p>
@@ -1821,7 +1822,7 @@
           <a:p>
             <a:fld id="{6A760CD2-9EA9-423A-A57C-8D49B3B57E0D}" type="datetimeFigureOut">
               <a:rPr lang="zh-CN" altLang="en-US" smtClean="0"/>
-              <a:t>2019/7/29</a:t>
+              <a:t>2019/8/5</a:t>
             </a:fld>
             <a:endParaRPr lang="zh-CN" altLang="en-US"/>
           </a:p>
@@ -2098,7 +2099,7 @@
           <a:p>
             <a:fld id="{6A760CD2-9EA9-423A-A57C-8D49B3B57E0D}" type="datetimeFigureOut">
               <a:rPr lang="zh-CN" altLang="en-US" smtClean="0"/>
-              <a:t>2019/7/29</a:t>
+              <a:t>2019/8/5</a:t>
             </a:fld>
             <a:endParaRPr lang="zh-CN" altLang="en-US"/>
           </a:p>
@@ -2355,7 +2356,7 @@
           <a:p>
             <a:fld id="{6A760CD2-9EA9-423A-A57C-8D49B3B57E0D}" type="datetimeFigureOut">
               <a:rPr lang="zh-CN" altLang="en-US" smtClean="0"/>
-              <a:t>2019/7/29</a:t>
+              <a:t>2019/8/5</a:t>
             </a:fld>
             <a:endParaRPr lang="zh-CN" altLang="en-US"/>
           </a:p>
@@ -2568,7 +2569,7 @@
           <a:p>
             <a:fld id="{6A760CD2-9EA9-423A-A57C-8D49B3B57E0D}" type="datetimeFigureOut">
               <a:rPr lang="zh-CN" altLang="en-US" smtClean="0"/>
-              <a:t>2019/7/29</a:t>
+              <a:t>2019/8/5</a:t>
             </a:fld>
             <a:endParaRPr lang="zh-CN" altLang="en-US"/>
           </a:p>
@@ -4347,8 +4348,8 @@
           </a:p>
         </p:txBody>
       </p:sp>
-      <mc:AlternateContent xmlns:mc="http://schemas.openxmlformats.org/markup-compatibility/2006">
-        <mc:Choice xmlns:a14="http://schemas.microsoft.com/office/drawing/2010/main" Requires="a14">
+      <mc:AlternateContent xmlns:mc="http://schemas.openxmlformats.org/markup-compatibility/2006" xmlns:a14="http://schemas.microsoft.com/office/drawing/2010/main">
+        <mc:Choice Requires="a14">
           <p:sp>
             <p:nvSpPr>
               <p:cNvPr id="62" name="文本框 61">
@@ -4921,7 +4922,7 @@
             </p:txBody>
           </p:sp>
         </mc:Choice>
-        <mc:Fallback>
+        <mc:Fallback xmlns="">
           <p:sp>
             <p:nvSpPr>
               <p:cNvPr id="62" name="文本框 61">
@@ -5279,6 +5280,2459 @@
 </p:sld>
 </file>
 
+<file path=ppt/slides/slide2.xml><?xml version="1.0" encoding="utf-8"?>
+<p:sld xmlns:a="http://schemas.openxmlformats.org/drawingml/2006/main" xmlns:r="http://schemas.openxmlformats.org/officeDocument/2006/relationships" xmlns:p="http://schemas.openxmlformats.org/presentationml/2006/main">
+  <p:cSld>
+    <p:spTree>
+      <p:nvGrpSpPr>
+        <p:cNvPr id="1" name=""/>
+        <p:cNvGrpSpPr/>
+        <p:nvPr/>
+      </p:nvGrpSpPr>
+      <p:grpSpPr>
+        <a:xfrm>
+          <a:off x="0" y="0"/>
+          <a:ext cx="0" cy="0"/>
+          <a:chOff x="0" y="0"/>
+          <a:chExt cx="0" cy="0"/>
+        </a:xfrm>
+      </p:grpSpPr>
+      <p:sp>
+        <p:nvSpPr>
+          <p:cNvPr id="4" name="文本框 3">
+            <a:extLst>
+              <a:ext uri="{FF2B5EF4-FFF2-40B4-BE49-F238E27FC236}">
+                <a16:creationId xmlns:a16="http://schemas.microsoft.com/office/drawing/2014/main" id="{90929248-4542-41D6-9F1A-D0167534266F}"/>
+              </a:ext>
+            </a:extLst>
+          </p:cNvPr>
+          <p:cNvSpPr txBox="1"/>
+          <p:nvPr/>
+        </p:nvSpPr>
+        <p:spPr>
+          <a:xfrm>
+            <a:off x="471054" y="124691"/>
+            <a:ext cx="14076219" cy="646331"/>
+          </a:xfrm>
+          <a:prstGeom prst="rect">
+            <a:avLst/>
+          </a:prstGeom>
+          <a:noFill/>
+          <a:ln w="38100">
+            <a:solidFill>
+              <a:schemeClr val="tx1"/>
+            </a:solidFill>
+          </a:ln>
+        </p:spPr>
+        <p:txBody>
+          <a:bodyPr wrap="square" rtlCol="0">
+            <a:spAutoFit/>
+          </a:bodyPr>
+          <a:lstStyle/>
+          <a:p>
+            <a:r>
+              <a:rPr lang="en-US" altLang="zh-CN" b="1" dirty="0">
+                <a:solidFill>
+                  <a:srgbClr val="FF0000"/>
+                </a:solidFill>
+                <a:effectLst>
+                  <a:outerShdw blurRad="38100" dist="38100" dir="2700000" algn="tl">
+                    <a:srgbClr val="000000">
+                      <a:alpha val="43137"/>
+                    </a:srgbClr>
+                  </a:outerShdw>
+                </a:effectLst>
+                <a:latin typeface="Courier +  BOLDITALIC" panose="0202E200000000000000" pitchFamily="18" charset="-122"/>
+                <a:ea typeface="Courier +  BOLDITALIC" panose="0202E200000000000000" pitchFamily="18" charset="-122"/>
+              </a:rPr>
+              <a:t>KEY POINT</a:t>
+            </a:r>
+            <a:r>
+              <a:rPr lang="en-US" altLang="zh-CN" b="1" dirty="0">
+                <a:effectLst>
+                  <a:outerShdw blurRad="38100" dist="38100" dir="2700000" algn="tl">
+                    <a:srgbClr val="000000">
+                      <a:alpha val="43137"/>
+                    </a:srgbClr>
+                  </a:outerShdw>
+                </a:effectLst>
+                <a:latin typeface="Courier +  BOLDITALIC" panose="0202E200000000000000" pitchFamily="18" charset="-122"/>
+                <a:ea typeface="Courier +  BOLDITALIC" panose="0202E200000000000000" pitchFamily="18" charset="-122"/>
+              </a:rPr>
+              <a:t>: computation graph (directed graph) is different from topology graph (directed or undirected graph) and our object is to eliminate redundancy in computation graph</a:t>
+            </a:r>
+            <a:endParaRPr lang="zh-CN" altLang="en-US" b="1" dirty="0">
+              <a:effectLst>
+                <a:outerShdw blurRad="38100" dist="38100" dir="2700000" algn="tl">
+                  <a:srgbClr val="000000">
+                    <a:alpha val="43137"/>
+                  </a:srgbClr>
+                </a:outerShdw>
+              </a:effectLst>
+              <a:latin typeface="Courier +  BOLDITALIC" panose="0202E200000000000000" pitchFamily="18" charset="-122"/>
+              <a:ea typeface="Courier +  BOLDITALIC" panose="0202E200000000000000" pitchFamily="18" charset="-122"/>
+            </a:endParaRPr>
+          </a:p>
+        </p:txBody>
+      </p:sp>
+      <p:sp>
+        <p:nvSpPr>
+          <p:cNvPr id="5" name="椭圆 4">
+            <a:extLst>
+              <a:ext uri="{FF2B5EF4-FFF2-40B4-BE49-F238E27FC236}">
+                <a16:creationId xmlns:a16="http://schemas.microsoft.com/office/drawing/2014/main" id="{8B23B48D-0EE8-431F-90F2-825D59E30CA1}"/>
+              </a:ext>
+            </a:extLst>
+          </p:cNvPr>
+          <p:cNvSpPr/>
+          <p:nvPr/>
+        </p:nvSpPr>
+        <p:spPr>
+          <a:xfrm>
+            <a:off x="630381" y="1918855"/>
+            <a:ext cx="630382" cy="630382"/>
+          </a:xfrm>
+          <a:prstGeom prst="ellipse">
+            <a:avLst/>
+          </a:prstGeom>
+          <a:ln w="57150"/>
+        </p:spPr>
+        <p:style>
+          <a:lnRef idx="2">
+            <a:schemeClr val="accent1"/>
+          </a:lnRef>
+          <a:fillRef idx="1">
+            <a:schemeClr val="lt1"/>
+          </a:fillRef>
+          <a:effectRef idx="0">
+            <a:schemeClr val="accent1"/>
+          </a:effectRef>
+          <a:fontRef idx="minor">
+            <a:schemeClr val="dk1"/>
+          </a:fontRef>
+        </p:style>
+        <p:txBody>
+          <a:bodyPr rtlCol="0" anchor="ctr"/>
+          <a:lstStyle/>
+          <a:p>
+            <a:pPr algn="ctr"/>
+            <a:r>
+              <a:rPr lang="en-US" altLang="zh-CN" dirty="0">
+                <a:latin typeface="Courier +  BOLDITALIC" panose="0202E200000000000000" pitchFamily="18" charset="-122"/>
+                <a:ea typeface="Courier +  BOLDITALIC" panose="0202E200000000000000" pitchFamily="18" charset="-122"/>
+              </a:rPr>
+              <a:t>0</a:t>
+            </a:r>
+            <a:endParaRPr lang="zh-CN" altLang="en-US" dirty="0">
+              <a:latin typeface="Courier +  BOLDITALIC" panose="0202E200000000000000" pitchFamily="18" charset="-122"/>
+              <a:ea typeface="Courier +  BOLDITALIC" panose="0202E200000000000000" pitchFamily="18" charset="-122"/>
+            </a:endParaRPr>
+          </a:p>
+        </p:txBody>
+      </p:sp>
+      <p:sp>
+        <p:nvSpPr>
+          <p:cNvPr id="6" name="椭圆 5">
+            <a:extLst>
+              <a:ext uri="{FF2B5EF4-FFF2-40B4-BE49-F238E27FC236}">
+                <a16:creationId xmlns:a16="http://schemas.microsoft.com/office/drawing/2014/main" id="{2E876DED-B67C-455D-A3BD-096BE6564DC1}"/>
+              </a:ext>
+            </a:extLst>
+          </p:cNvPr>
+          <p:cNvSpPr/>
+          <p:nvPr/>
+        </p:nvSpPr>
+        <p:spPr>
+          <a:xfrm>
+            <a:off x="630381" y="3496179"/>
+            <a:ext cx="630382" cy="630382"/>
+          </a:xfrm>
+          <a:prstGeom prst="ellipse">
+            <a:avLst/>
+          </a:prstGeom>
+          <a:ln w="57150"/>
+        </p:spPr>
+        <p:style>
+          <a:lnRef idx="2">
+            <a:schemeClr val="accent1"/>
+          </a:lnRef>
+          <a:fillRef idx="1">
+            <a:schemeClr val="lt1"/>
+          </a:fillRef>
+          <a:effectRef idx="0">
+            <a:schemeClr val="accent1"/>
+          </a:effectRef>
+          <a:fontRef idx="minor">
+            <a:schemeClr val="dk1"/>
+          </a:fontRef>
+        </p:style>
+        <p:txBody>
+          <a:bodyPr rtlCol="0" anchor="ctr"/>
+          <a:lstStyle/>
+          <a:p>
+            <a:pPr algn="ctr"/>
+            <a:r>
+              <a:rPr lang="en-US" altLang="zh-CN" dirty="0">
+                <a:latin typeface="Courier +  BOLDITALIC" panose="0202E200000000000000" pitchFamily="18" charset="-122"/>
+                <a:ea typeface="Courier +  BOLDITALIC" panose="0202E200000000000000" pitchFamily="18" charset="-122"/>
+              </a:rPr>
+              <a:t>2</a:t>
+            </a:r>
+            <a:endParaRPr lang="zh-CN" altLang="en-US" dirty="0">
+              <a:latin typeface="Courier +  BOLDITALIC" panose="0202E200000000000000" pitchFamily="18" charset="-122"/>
+              <a:ea typeface="Courier +  BOLDITALIC" panose="0202E200000000000000" pitchFamily="18" charset="-122"/>
+            </a:endParaRPr>
+          </a:p>
+        </p:txBody>
+      </p:sp>
+      <p:sp>
+        <p:nvSpPr>
+          <p:cNvPr id="7" name="椭圆 6">
+            <a:extLst>
+              <a:ext uri="{FF2B5EF4-FFF2-40B4-BE49-F238E27FC236}">
+                <a16:creationId xmlns:a16="http://schemas.microsoft.com/office/drawing/2014/main" id="{74391FF6-BEC8-4556-84A2-BCDBAF1D32B0}"/>
+              </a:ext>
+            </a:extLst>
+          </p:cNvPr>
+          <p:cNvSpPr/>
+          <p:nvPr/>
+        </p:nvSpPr>
+        <p:spPr>
+          <a:xfrm>
+            <a:off x="2209799" y="2718955"/>
+            <a:ext cx="630382" cy="630382"/>
+          </a:xfrm>
+          <a:prstGeom prst="ellipse">
+            <a:avLst/>
+          </a:prstGeom>
+          <a:ln w="57150"/>
+        </p:spPr>
+        <p:style>
+          <a:lnRef idx="2">
+            <a:schemeClr val="accent1"/>
+          </a:lnRef>
+          <a:fillRef idx="1">
+            <a:schemeClr val="lt1"/>
+          </a:fillRef>
+          <a:effectRef idx="0">
+            <a:schemeClr val="accent1"/>
+          </a:effectRef>
+          <a:fontRef idx="minor">
+            <a:schemeClr val="dk1"/>
+          </a:fontRef>
+        </p:style>
+        <p:txBody>
+          <a:bodyPr rtlCol="0" anchor="ctr"/>
+          <a:lstStyle/>
+          <a:p>
+            <a:pPr algn="ctr"/>
+            <a:r>
+              <a:rPr lang="en-US" altLang="zh-CN" dirty="0">
+                <a:latin typeface="Courier +  BOLDITALIC" panose="0202E200000000000000" pitchFamily="18" charset="-122"/>
+                <a:ea typeface="Courier +  BOLDITALIC" panose="0202E200000000000000" pitchFamily="18" charset="-122"/>
+              </a:rPr>
+              <a:t>1</a:t>
+            </a:r>
+            <a:endParaRPr lang="zh-CN" altLang="en-US" dirty="0">
+              <a:latin typeface="Courier +  BOLDITALIC" panose="0202E200000000000000" pitchFamily="18" charset="-122"/>
+              <a:ea typeface="Courier +  BOLDITALIC" panose="0202E200000000000000" pitchFamily="18" charset="-122"/>
+            </a:endParaRPr>
+          </a:p>
+        </p:txBody>
+      </p:sp>
+      <p:cxnSp>
+        <p:nvCxnSpPr>
+          <p:cNvPr id="9" name="直接连接符 8">
+            <a:extLst>
+              <a:ext uri="{FF2B5EF4-FFF2-40B4-BE49-F238E27FC236}">
+                <a16:creationId xmlns:a16="http://schemas.microsoft.com/office/drawing/2014/main" id="{8E04CCCB-6D86-49D8-ACFE-D2121F4FB0F0}"/>
+              </a:ext>
+            </a:extLst>
+          </p:cNvPr>
+          <p:cNvCxnSpPr>
+            <a:stCxn id="5" idx="6"/>
+            <a:endCxn id="7" idx="1"/>
+          </p:cNvCxnSpPr>
+          <p:nvPr/>
+        </p:nvCxnSpPr>
+        <p:spPr>
+          <a:xfrm>
+            <a:off x="1260763" y="2234046"/>
+            <a:ext cx="1041353" cy="577226"/>
+          </a:xfrm>
+          <a:prstGeom prst="line">
+            <a:avLst/>
+          </a:prstGeom>
+          <a:ln w="57150"/>
+        </p:spPr>
+        <p:style>
+          <a:lnRef idx="1">
+            <a:schemeClr val="accent1"/>
+          </a:lnRef>
+          <a:fillRef idx="0">
+            <a:schemeClr val="accent1"/>
+          </a:fillRef>
+          <a:effectRef idx="0">
+            <a:schemeClr val="accent1"/>
+          </a:effectRef>
+          <a:fontRef idx="minor">
+            <a:schemeClr val="tx1"/>
+          </a:fontRef>
+        </p:style>
+      </p:cxnSp>
+      <p:cxnSp>
+        <p:nvCxnSpPr>
+          <p:cNvPr id="10" name="直接连接符 9">
+            <a:extLst>
+              <a:ext uri="{FF2B5EF4-FFF2-40B4-BE49-F238E27FC236}">
+                <a16:creationId xmlns:a16="http://schemas.microsoft.com/office/drawing/2014/main" id="{946C016C-FE54-4D6A-808E-DCAF3A57F685}"/>
+              </a:ext>
+            </a:extLst>
+          </p:cNvPr>
+          <p:cNvCxnSpPr>
+            <a:cxnSpLocks/>
+            <a:stCxn id="6" idx="6"/>
+            <a:endCxn id="7" idx="3"/>
+          </p:cNvCxnSpPr>
+          <p:nvPr/>
+        </p:nvCxnSpPr>
+        <p:spPr>
+          <a:xfrm flipV="1">
+            <a:off x="1260763" y="3257020"/>
+            <a:ext cx="1041353" cy="554350"/>
+          </a:xfrm>
+          <a:prstGeom prst="line">
+            <a:avLst/>
+          </a:prstGeom>
+          <a:ln w="57150"/>
+        </p:spPr>
+        <p:style>
+          <a:lnRef idx="1">
+            <a:schemeClr val="accent1"/>
+          </a:lnRef>
+          <a:fillRef idx="0">
+            <a:schemeClr val="accent1"/>
+          </a:fillRef>
+          <a:effectRef idx="0">
+            <a:schemeClr val="accent1"/>
+          </a:effectRef>
+          <a:fontRef idx="minor">
+            <a:schemeClr val="tx1"/>
+          </a:fontRef>
+        </p:style>
+      </p:cxnSp>
+      <p:sp>
+        <p:nvSpPr>
+          <p:cNvPr id="13" name="椭圆 12">
+            <a:extLst>
+              <a:ext uri="{FF2B5EF4-FFF2-40B4-BE49-F238E27FC236}">
+                <a16:creationId xmlns:a16="http://schemas.microsoft.com/office/drawing/2014/main" id="{451DDEB0-50E0-4944-AA46-948C472C7ED9}"/>
+              </a:ext>
+            </a:extLst>
+          </p:cNvPr>
+          <p:cNvSpPr/>
+          <p:nvPr/>
+        </p:nvSpPr>
+        <p:spPr>
+          <a:xfrm>
+            <a:off x="5198916" y="1938434"/>
+            <a:ext cx="630382" cy="630382"/>
+          </a:xfrm>
+          <a:prstGeom prst="ellipse">
+            <a:avLst/>
+          </a:prstGeom>
+          <a:ln w="57150"/>
+        </p:spPr>
+        <p:style>
+          <a:lnRef idx="2">
+            <a:schemeClr val="accent1"/>
+          </a:lnRef>
+          <a:fillRef idx="1">
+            <a:schemeClr val="lt1"/>
+          </a:fillRef>
+          <a:effectRef idx="0">
+            <a:schemeClr val="accent1"/>
+          </a:effectRef>
+          <a:fontRef idx="minor">
+            <a:schemeClr val="dk1"/>
+          </a:fontRef>
+        </p:style>
+        <p:txBody>
+          <a:bodyPr rtlCol="0" anchor="ctr"/>
+          <a:lstStyle/>
+          <a:p>
+            <a:pPr algn="ctr"/>
+            <a:r>
+              <a:rPr lang="en-US" altLang="zh-CN" dirty="0">
+                <a:latin typeface="Courier +  BOLDITALIC" panose="0202E200000000000000" pitchFamily="18" charset="-122"/>
+                <a:ea typeface="Courier +  BOLDITALIC" panose="0202E200000000000000" pitchFamily="18" charset="-122"/>
+              </a:rPr>
+              <a:t>0</a:t>
+            </a:r>
+            <a:endParaRPr lang="zh-CN" altLang="en-US" dirty="0">
+              <a:latin typeface="Courier +  BOLDITALIC" panose="0202E200000000000000" pitchFamily="18" charset="-122"/>
+              <a:ea typeface="Courier +  BOLDITALIC" panose="0202E200000000000000" pitchFamily="18" charset="-122"/>
+            </a:endParaRPr>
+          </a:p>
+        </p:txBody>
+      </p:sp>
+      <p:sp>
+        <p:nvSpPr>
+          <p:cNvPr id="14" name="椭圆 13">
+            <a:extLst>
+              <a:ext uri="{FF2B5EF4-FFF2-40B4-BE49-F238E27FC236}">
+                <a16:creationId xmlns:a16="http://schemas.microsoft.com/office/drawing/2014/main" id="{9AC1C09C-7C5B-4D50-8102-2B55C4FF6528}"/>
+              </a:ext>
+            </a:extLst>
+          </p:cNvPr>
+          <p:cNvSpPr/>
+          <p:nvPr/>
+        </p:nvSpPr>
+        <p:spPr>
+          <a:xfrm>
+            <a:off x="5198916" y="3515758"/>
+            <a:ext cx="630382" cy="630382"/>
+          </a:xfrm>
+          <a:prstGeom prst="ellipse">
+            <a:avLst/>
+          </a:prstGeom>
+          <a:ln w="57150"/>
+        </p:spPr>
+        <p:style>
+          <a:lnRef idx="2">
+            <a:schemeClr val="accent1"/>
+          </a:lnRef>
+          <a:fillRef idx="1">
+            <a:schemeClr val="lt1"/>
+          </a:fillRef>
+          <a:effectRef idx="0">
+            <a:schemeClr val="accent1"/>
+          </a:effectRef>
+          <a:fontRef idx="minor">
+            <a:schemeClr val="dk1"/>
+          </a:fontRef>
+        </p:style>
+        <p:txBody>
+          <a:bodyPr rtlCol="0" anchor="ctr"/>
+          <a:lstStyle/>
+          <a:p>
+            <a:pPr algn="ctr"/>
+            <a:r>
+              <a:rPr lang="en-US" altLang="zh-CN" dirty="0">
+                <a:latin typeface="Courier +  BOLDITALIC" panose="0202E200000000000000" pitchFamily="18" charset="-122"/>
+                <a:ea typeface="Courier +  BOLDITALIC" panose="0202E200000000000000" pitchFamily="18" charset="-122"/>
+              </a:rPr>
+              <a:t>2</a:t>
+            </a:r>
+            <a:endParaRPr lang="zh-CN" altLang="en-US" dirty="0">
+              <a:latin typeface="Courier +  BOLDITALIC" panose="0202E200000000000000" pitchFamily="18" charset="-122"/>
+              <a:ea typeface="Courier +  BOLDITALIC" panose="0202E200000000000000" pitchFamily="18" charset="-122"/>
+            </a:endParaRPr>
+          </a:p>
+        </p:txBody>
+      </p:sp>
+      <p:sp>
+        <p:nvSpPr>
+          <p:cNvPr id="15" name="椭圆 14">
+            <a:extLst>
+              <a:ext uri="{FF2B5EF4-FFF2-40B4-BE49-F238E27FC236}">
+                <a16:creationId xmlns:a16="http://schemas.microsoft.com/office/drawing/2014/main" id="{F41769AC-883F-4B6B-959C-AF388D0B39F0}"/>
+              </a:ext>
+            </a:extLst>
+          </p:cNvPr>
+          <p:cNvSpPr/>
+          <p:nvPr/>
+        </p:nvSpPr>
+        <p:spPr>
+          <a:xfrm>
+            <a:off x="6778334" y="2738534"/>
+            <a:ext cx="630382" cy="630382"/>
+          </a:xfrm>
+          <a:prstGeom prst="ellipse">
+            <a:avLst/>
+          </a:prstGeom>
+          <a:ln w="57150"/>
+        </p:spPr>
+        <p:style>
+          <a:lnRef idx="2">
+            <a:schemeClr val="accent1"/>
+          </a:lnRef>
+          <a:fillRef idx="1">
+            <a:schemeClr val="lt1"/>
+          </a:fillRef>
+          <a:effectRef idx="0">
+            <a:schemeClr val="accent1"/>
+          </a:effectRef>
+          <a:fontRef idx="minor">
+            <a:schemeClr val="dk1"/>
+          </a:fontRef>
+        </p:style>
+        <p:txBody>
+          <a:bodyPr rtlCol="0" anchor="ctr"/>
+          <a:lstStyle/>
+          <a:p>
+            <a:pPr algn="ctr"/>
+            <a:r>
+              <a:rPr lang="en-US" altLang="zh-CN" dirty="0">
+                <a:latin typeface="Courier +  BOLDITALIC" panose="0202E200000000000000" pitchFamily="18" charset="-122"/>
+                <a:ea typeface="Courier +  BOLDITALIC" panose="0202E200000000000000" pitchFamily="18" charset="-122"/>
+              </a:rPr>
+              <a:t>1</a:t>
+            </a:r>
+            <a:endParaRPr lang="zh-CN" altLang="en-US" dirty="0">
+              <a:latin typeface="Courier +  BOLDITALIC" panose="0202E200000000000000" pitchFamily="18" charset="-122"/>
+              <a:ea typeface="Courier +  BOLDITALIC" panose="0202E200000000000000" pitchFamily="18" charset="-122"/>
+            </a:endParaRPr>
+          </a:p>
+        </p:txBody>
+      </p:sp>
+      <p:cxnSp>
+        <p:nvCxnSpPr>
+          <p:cNvPr id="22" name="连接符: 曲线 21">
+            <a:extLst>
+              <a:ext uri="{FF2B5EF4-FFF2-40B4-BE49-F238E27FC236}">
+                <a16:creationId xmlns:a16="http://schemas.microsoft.com/office/drawing/2014/main" id="{B5B4218B-DFC2-4485-B709-F760EEC0C981}"/>
+              </a:ext>
+            </a:extLst>
+          </p:cNvPr>
+          <p:cNvCxnSpPr>
+            <a:stCxn id="13" idx="6"/>
+            <a:endCxn id="15" idx="0"/>
+          </p:cNvCxnSpPr>
+          <p:nvPr/>
+        </p:nvCxnSpPr>
+        <p:spPr>
+          <a:xfrm>
+            <a:off x="5829298" y="2253625"/>
+            <a:ext cx="1264227" cy="484909"/>
+          </a:xfrm>
+          <a:prstGeom prst="curvedConnector2">
+            <a:avLst/>
+          </a:prstGeom>
+          <a:ln w="57150">
+            <a:headEnd type="triangle" w="med" len="med"/>
+            <a:tailEnd type="none" w="med" len="med"/>
+          </a:ln>
+        </p:spPr>
+        <p:style>
+          <a:lnRef idx="1">
+            <a:schemeClr val="accent1"/>
+          </a:lnRef>
+          <a:fillRef idx="0">
+            <a:schemeClr val="accent1"/>
+          </a:fillRef>
+          <a:effectRef idx="0">
+            <a:schemeClr val="accent1"/>
+          </a:effectRef>
+          <a:fontRef idx="minor">
+            <a:schemeClr val="tx1"/>
+          </a:fontRef>
+        </p:style>
+      </p:cxnSp>
+      <p:cxnSp>
+        <p:nvCxnSpPr>
+          <p:cNvPr id="23" name="连接符: 曲线 22">
+            <a:extLst>
+              <a:ext uri="{FF2B5EF4-FFF2-40B4-BE49-F238E27FC236}">
+                <a16:creationId xmlns:a16="http://schemas.microsoft.com/office/drawing/2014/main" id="{2B6AC395-3326-441B-9E50-FC28B07AC78F}"/>
+              </a:ext>
+            </a:extLst>
+          </p:cNvPr>
+          <p:cNvCxnSpPr>
+            <a:cxnSpLocks/>
+            <a:stCxn id="14" idx="6"/>
+            <a:endCxn id="15" idx="4"/>
+          </p:cNvCxnSpPr>
+          <p:nvPr/>
+        </p:nvCxnSpPr>
+        <p:spPr>
+          <a:xfrm flipV="1">
+            <a:off x="5829298" y="3368916"/>
+            <a:ext cx="1264227" cy="462033"/>
+          </a:xfrm>
+          <a:prstGeom prst="curvedConnector2">
+            <a:avLst/>
+          </a:prstGeom>
+          <a:ln w="57150">
+            <a:headEnd type="triangle" w="med" len="med"/>
+            <a:tailEnd type="none" w="med" len="med"/>
+          </a:ln>
+        </p:spPr>
+        <p:style>
+          <a:lnRef idx="1">
+            <a:schemeClr val="accent1"/>
+          </a:lnRef>
+          <a:fillRef idx="0">
+            <a:schemeClr val="accent1"/>
+          </a:fillRef>
+          <a:effectRef idx="0">
+            <a:schemeClr val="accent1"/>
+          </a:effectRef>
+          <a:fontRef idx="minor">
+            <a:schemeClr val="tx1"/>
+          </a:fontRef>
+        </p:style>
+      </p:cxnSp>
+      <p:cxnSp>
+        <p:nvCxnSpPr>
+          <p:cNvPr id="24" name="连接符: 曲线 23">
+            <a:extLst>
+              <a:ext uri="{FF2B5EF4-FFF2-40B4-BE49-F238E27FC236}">
+                <a16:creationId xmlns:a16="http://schemas.microsoft.com/office/drawing/2014/main" id="{77926C12-B481-49E5-933D-45DB02FED513}"/>
+              </a:ext>
+            </a:extLst>
+          </p:cNvPr>
+          <p:cNvCxnSpPr>
+            <a:cxnSpLocks/>
+            <a:stCxn id="15" idx="2"/>
+            <a:endCxn id="13" idx="4"/>
+          </p:cNvCxnSpPr>
+          <p:nvPr/>
+        </p:nvCxnSpPr>
+        <p:spPr>
+          <a:xfrm rot="10800000">
+            <a:off x="5514108" y="2568817"/>
+            <a:ext cx="1264227" cy="484909"/>
+          </a:xfrm>
+          <a:prstGeom prst="curvedConnector2">
+            <a:avLst/>
+          </a:prstGeom>
+          <a:ln w="57150">
+            <a:headEnd type="triangle" w="med" len="med"/>
+            <a:tailEnd type="none" w="med" len="med"/>
+          </a:ln>
+        </p:spPr>
+        <p:style>
+          <a:lnRef idx="1">
+            <a:schemeClr val="accent1"/>
+          </a:lnRef>
+          <a:fillRef idx="0">
+            <a:schemeClr val="accent1"/>
+          </a:fillRef>
+          <a:effectRef idx="0">
+            <a:schemeClr val="accent1"/>
+          </a:effectRef>
+          <a:fontRef idx="minor">
+            <a:schemeClr val="tx1"/>
+          </a:fontRef>
+        </p:style>
+      </p:cxnSp>
+      <p:cxnSp>
+        <p:nvCxnSpPr>
+          <p:cNvPr id="25" name="连接符: 曲线 24">
+            <a:extLst>
+              <a:ext uri="{FF2B5EF4-FFF2-40B4-BE49-F238E27FC236}">
+                <a16:creationId xmlns:a16="http://schemas.microsoft.com/office/drawing/2014/main" id="{72C5D899-4439-4C3F-96F2-6E4A6F316579}"/>
+              </a:ext>
+            </a:extLst>
+          </p:cNvPr>
+          <p:cNvCxnSpPr>
+            <a:cxnSpLocks/>
+            <a:stCxn id="15" idx="2"/>
+            <a:endCxn id="14" idx="0"/>
+          </p:cNvCxnSpPr>
+          <p:nvPr/>
+        </p:nvCxnSpPr>
+        <p:spPr>
+          <a:xfrm rot="10800000" flipV="1">
+            <a:off x="5514108" y="3053724"/>
+            <a:ext cx="1264227" cy="462033"/>
+          </a:xfrm>
+          <a:prstGeom prst="curvedConnector2">
+            <a:avLst/>
+          </a:prstGeom>
+          <a:ln w="57150">
+            <a:headEnd type="triangle" w="med" len="med"/>
+            <a:tailEnd type="none" w="med" len="med"/>
+          </a:ln>
+        </p:spPr>
+        <p:style>
+          <a:lnRef idx="1">
+            <a:schemeClr val="accent1"/>
+          </a:lnRef>
+          <a:fillRef idx="0">
+            <a:schemeClr val="accent1"/>
+          </a:fillRef>
+          <a:effectRef idx="0">
+            <a:schemeClr val="accent1"/>
+          </a:effectRef>
+          <a:fontRef idx="minor">
+            <a:schemeClr val="tx1"/>
+          </a:fontRef>
+        </p:style>
+      </p:cxnSp>
+      <p:sp>
+        <p:nvSpPr>
+          <p:cNvPr id="35" name="椭圆 34">
+            <a:extLst>
+              <a:ext uri="{FF2B5EF4-FFF2-40B4-BE49-F238E27FC236}">
+                <a16:creationId xmlns:a16="http://schemas.microsoft.com/office/drawing/2014/main" id="{95BEF3DA-8A0B-4EDA-8727-BA0593090503}"/>
+              </a:ext>
+            </a:extLst>
+          </p:cNvPr>
+          <p:cNvSpPr/>
+          <p:nvPr/>
+        </p:nvSpPr>
+        <p:spPr>
+          <a:xfrm>
+            <a:off x="9268690" y="1918855"/>
+            <a:ext cx="630382" cy="630382"/>
+          </a:xfrm>
+          <a:prstGeom prst="ellipse">
+            <a:avLst/>
+          </a:prstGeom>
+          <a:ln w="57150"/>
+        </p:spPr>
+        <p:style>
+          <a:lnRef idx="2">
+            <a:schemeClr val="accent1"/>
+          </a:lnRef>
+          <a:fillRef idx="1">
+            <a:schemeClr val="lt1"/>
+          </a:fillRef>
+          <a:effectRef idx="0">
+            <a:schemeClr val="accent1"/>
+          </a:effectRef>
+          <a:fontRef idx="minor">
+            <a:schemeClr val="dk1"/>
+          </a:fontRef>
+        </p:style>
+        <p:txBody>
+          <a:bodyPr rtlCol="0" anchor="ctr"/>
+          <a:lstStyle/>
+          <a:p>
+            <a:pPr algn="ctr"/>
+            <a:r>
+              <a:rPr lang="en-US" altLang="zh-CN" dirty="0">
+                <a:latin typeface="Courier +  BOLDITALIC" panose="0202E200000000000000" pitchFamily="18" charset="-122"/>
+                <a:ea typeface="Courier +  BOLDITALIC" panose="0202E200000000000000" pitchFamily="18" charset="-122"/>
+              </a:rPr>
+              <a:t>0</a:t>
+            </a:r>
+            <a:endParaRPr lang="zh-CN" altLang="en-US" dirty="0">
+              <a:latin typeface="Courier +  BOLDITALIC" panose="0202E200000000000000" pitchFamily="18" charset="-122"/>
+              <a:ea typeface="Courier +  BOLDITALIC" panose="0202E200000000000000" pitchFamily="18" charset="-122"/>
+            </a:endParaRPr>
+          </a:p>
+        </p:txBody>
+      </p:sp>
+      <p:sp>
+        <p:nvSpPr>
+          <p:cNvPr id="36" name="椭圆 35">
+            <a:extLst>
+              <a:ext uri="{FF2B5EF4-FFF2-40B4-BE49-F238E27FC236}">
+                <a16:creationId xmlns:a16="http://schemas.microsoft.com/office/drawing/2014/main" id="{92562BF0-2D7C-436C-9912-F8755E93E840}"/>
+              </a:ext>
+            </a:extLst>
+          </p:cNvPr>
+          <p:cNvSpPr/>
+          <p:nvPr/>
+        </p:nvSpPr>
+        <p:spPr>
+          <a:xfrm>
+            <a:off x="9268690" y="3496179"/>
+            <a:ext cx="630382" cy="630382"/>
+          </a:xfrm>
+          <a:prstGeom prst="ellipse">
+            <a:avLst/>
+          </a:prstGeom>
+          <a:ln w="57150"/>
+        </p:spPr>
+        <p:style>
+          <a:lnRef idx="2">
+            <a:schemeClr val="accent1"/>
+          </a:lnRef>
+          <a:fillRef idx="1">
+            <a:schemeClr val="lt1"/>
+          </a:fillRef>
+          <a:effectRef idx="0">
+            <a:schemeClr val="accent1"/>
+          </a:effectRef>
+          <a:fontRef idx="minor">
+            <a:schemeClr val="dk1"/>
+          </a:fontRef>
+        </p:style>
+        <p:txBody>
+          <a:bodyPr rtlCol="0" anchor="ctr"/>
+          <a:lstStyle/>
+          <a:p>
+            <a:pPr algn="ctr"/>
+            <a:r>
+              <a:rPr lang="en-US" altLang="zh-CN" dirty="0">
+                <a:latin typeface="Courier +  BOLDITALIC" panose="0202E200000000000000" pitchFamily="18" charset="-122"/>
+                <a:ea typeface="Courier +  BOLDITALIC" panose="0202E200000000000000" pitchFamily="18" charset="-122"/>
+              </a:rPr>
+              <a:t>2</a:t>
+            </a:r>
+            <a:endParaRPr lang="zh-CN" altLang="en-US" dirty="0">
+              <a:latin typeface="Courier +  BOLDITALIC" panose="0202E200000000000000" pitchFamily="18" charset="-122"/>
+              <a:ea typeface="Courier +  BOLDITALIC" panose="0202E200000000000000" pitchFamily="18" charset="-122"/>
+            </a:endParaRPr>
+          </a:p>
+        </p:txBody>
+      </p:sp>
+      <p:sp>
+        <p:nvSpPr>
+          <p:cNvPr id="37" name="椭圆 36">
+            <a:extLst>
+              <a:ext uri="{FF2B5EF4-FFF2-40B4-BE49-F238E27FC236}">
+                <a16:creationId xmlns:a16="http://schemas.microsoft.com/office/drawing/2014/main" id="{855AD9CB-22EB-4FEB-8AB5-98304B04F05D}"/>
+              </a:ext>
+            </a:extLst>
+          </p:cNvPr>
+          <p:cNvSpPr/>
+          <p:nvPr/>
+        </p:nvSpPr>
+        <p:spPr>
+          <a:xfrm>
+            <a:off x="10848108" y="2718955"/>
+            <a:ext cx="630382" cy="630382"/>
+          </a:xfrm>
+          <a:prstGeom prst="ellipse">
+            <a:avLst/>
+          </a:prstGeom>
+          <a:ln w="57150"/>
+        </p:spPr>
+        <p:style>
+          <a:lnRef idx="2">
+            <a:schemeClr val="accent1"/>
+          </a:lnRef>
+          <a:fillRef idx="1">
+            <a:schemeClr val="lt1"/>
+          </a:fillRef>
+          <a:effectRef idx="0">
+            <a:schemeClr val="accent1"/>
+          </a:effectRef>
+          <a:fontRef idx="minor">
+            <a:schemeClr val="dk1"/>
+          </a:fontRef>
+        </p:style>
+        <p:txBody>
+          <a:bodyPr rtlCol="0" anchor="ctr"/>
+          <a:lstStyle/>
+          <a:p>
+            <a:pPr algn="ctr"/>
+            <a:r>
+              <a:rPr lang="en-US" altLang="zh-CN" dirty="0">
+                <a:latin typeface="Courier +  BOLDITALIC" panose="0202E200000000000000" pitchFamily="18" charset="-122"/>
+                <a:ea typeface="Courier +  BOLDITALIC" panose="0202E200000000000000" pitchFamily="18" charset="-122"/>
+              </a:rPr>
+              <a:t>3</a:t>
+            </a:r>
+            <a:endParaRPr lang="zh-CN" altLang="en-US" dirty="0">
+              <a:latin typeface="Courier +  BOLDITALIC" panose="0202E200000000000000" pitchFamily="18" charset="-122"/>
+              <a:ea typeface="Courier +  BOLDITALIC" panose="0202E200000000000000" pitchFamily="18" charset="-122"/>
+            </a:endParaRPr>
+          </a:p>
+        </p:txBody>
+      </p:sp>
+      <p:cxnSp>
+        <p:nvCxnSpPr>
+          <p:cNvPr id="38" name="连接符: 曲线 37">
+            <a:extLst>
+              <a:ext uri="{FF2B5EF4-FFF2-40B4-BE49-F238E27FC236}">
+                <a16:creationId xmlns:a16="http://schemas.microsoft.com/office/drawing/2014/main" id="{7EEAE6F1-3E0F-4CEF-B3AB-DC686A764A61}"/>
+              </a:ext>
+            </a:extLst>
+          </p:cNvPr>
+          <p:cNvCxnSpPr>
+            <a:cxnSpLocks/>
+            <a:stCxn id="35" idx="6"/>
+            <a:endCxn id="46" idx="0"/>
+          </p:cNvCxnSpPr>
+          <p:nvPr/>
+        </p:nvCxnSpPr>
+        <p:spPr>
+          <a:xfrm>
+            <a:off x="9899072" y="2234046"/>
+            <a:ext cx="2684318" cy="497547"/>
+          </a:xfrm>
+          <a:prstGeom prst="curvedConnector2">
+            <a:avLst/>
+          </a:prstGeom>
+          <a:ln w="57150">
+            <a:headEnd type="triangle" w="med" len="med"/>
+            <a:tailEnd type="none" w="med" len="med"/>
+          </a:ln>
+        </p:spPr>
+        <p:style>
+          <a:lnRef idx="1">
+            <a:schemeClr val="accent1"/>
+          </a:lnRef>
+          <a:fillRef idx="0">
+            <a:schemeClr val="accent1"/>
+          </a:fillRef>
+          <a:effectRef idx="0">
+            <a:schemeClr val="accent1"/>
+          </a:effectRef>
+          <a:fontRef idx="minor">
+            <a:schemeClr val="tx1"/>
+          </a:fontRef>
+        </p:style>
+      </p:cxnSp>
+      <p:cxnSp>
+        <p:nvCxnSpPr>
+          <p:cNvPr id="39" name="连接符: 曲线 38">
+            <a:extLst>
+              <a:ext uri="{FF2B5EF4-FFF2-40B4-BE49-F238E27FC236}">
+                <a16:creationId xmlns:a16="http://schemas.microsoft.com/office/drawing/2014/main" id="{2BB26D20-2D0F-4BA8-9F0F-B0F4BA74A0C7}"/>
+              </a:ext>
+            </a:extLst>
+          </p:cNvPr>
+          <p:cNvCxnSpPr>
+            <a:cxnSpLocks/>
+            <a:stCxn id="36" idx="6"/>
+            <a:endCxn id="46" idx="4"/>
+          </p:cNvCxnSpPr>
+          <p:nvPr/>
+        </p:nvCxnSpPr>
+        <p:spPr>
+          <a:xfrm flipV="1">
+            <a:off x="9899072" y="3361975"/>
+            <a:ext cx="2684318" cy="449395"/>
+          </a:xfrm>
+          <a:prstGeom prst="curvedConnector2">
+            <a:avLst/>
+          </a:prstGeom>
+          <a:ln w="57150">
+            <a:headEnd type="triangle" w="med" len="med"/>
+            <a:tailEnd type="none" w="med" len="med"/>
+          </a:ln>
+        </p:spPr>
+        <p:style>
+          <a:lnRef idx="1">
+            <a:schemeClr val="accent1"/>
+          </a:lnRef>
+          <a:fillRef idx="0">
+            <a:schemeClr val="accent1"/>
+          </a:fillRef>
+          <a:effectRef idx="0">
+            <a:schemeClr val="accent1"/>
+          </a:effectRef>
+          <a:fontRef idx="minor">
+            <a:schemeClr val="tx1"/>
+          </a:fontRef>
+        </p:style>
+      </p:cxnSp>
+      <p:cxnSp>
+        <p:nvCxnSpPr>
+          <p:cNvPr id="40" name="连接符: 曲线 39">
+            <a:extLst>
+              <a:ext uri="{FF2B5EF4-FFF2-40B4-BE49-F238E27FC236}">
+                <a16:creationId xmlns:a16="http://schemas.microsoft.com/office/drawing/2014/main" id="{D901A921-BAE6-4A29-825A-0DD664EFECB4}"/>
+              </a:ext>
+            </a:extLst>
+          </p:cNvPr>
+          <p:cNvCxnSpPr>
+            <a:cxnSpLocks/>
+            <a:stCxn id="37" idx="2"/>
+            <a:endCxn id="35" idx="4"/>
+          </p:cNvCxnSpPr>
+          <p:nvPr/>
+        </p:nvCxnSpPr>
+        <p:spPr>
+          <a:xfrm rot="10800000">
+            <a:off x="9583882" y="2549238"/>
+            <a:ext cx="1264227" cy="484909"/>
+          </a:xfrm>
+          <a:prstGeom prst="curvedConnector2">
+            <a:avLst/>
+          </a:prstGeom>
+          <a:ln w="57150">
+            <a:headEnd type="triangle" w="med" len="med"/>
+            <a:tailEnd type="none" w="med" len="med"/>
+          </a:ln>
+        </p:spPr>
+        <p:style>
+          <a:lnRef idx="1">
+            <a:schemeClr val="accent1"/>
+          </a:lnRef>
+          <a:fillRef idx="0">
+            <a:schemeClr val="accent1"/>
+          </a:fillRef>
+          <a:effectRef idx="0">
+            <a:schemeClr val="accent1"/>
+          </a:effectRef>
+          <a:fontRef idx="minor">
+            <a:schemeClr val="tx1"/>
+          </a:fontRef>
+        </p:style>
+      </p:cxnSp>
+      <p:cxnSp>
+        <p:nvCxnSpPr>
+          <p:cNvPr id="41" name="连接符: 曲线 40">
+            <a:extLst>
+              <a:ext uri="{FF2B5EF4-FFF2-40B4-BE49-F238E27FC236}">
+                <a16:creationId xmlns:a16="http://schemas.microsoft.com/office/drawing/2014/main" id="{70F59044-6A73-4C40-8614-A3C0D07E71C3}"/>
+              </a:ext>
+            </a:extLst>
+          </p:cNvPr>
+          <p:cNvCxnSpPr>
+            <a:cxnSpLocks/>
+            <a:stCxn id="37" idx="2"/>
+            <a:endCxn id="36" idx="0"/>
+          </p:cNvCxnSpPr>
+          <p:nvPr/>
+        </p:nvCxnSpPr>
+        <p:spPr>
+          <a:xfrm rot="10800000" flipV="1">
+            <a:off x="9583882" y="3034145"/>
+            <a:ext cx="1264227" cy="462033"/>
+          </a:xfrm>
+          <a:prstGeom prst="curvedConnector2">
+            <a:avLst/>
+          </a:prstGeom>
+          <a:ln w="57150">
+            <a:headEnd type="triangle" w="med" len="med"/>
+            <a:tailEnd type="none" w="med" len="med"/>
+          </a:ln>
+        </p:spPr>
+        <p:style>
+          <a:lnRef idx="1">
+            <a:schemeClr val="accent1"/>
+          </a:lnRef>
+          <a:fillRef idx="0">
+            <a:schemeClr val="accent1"/>
+          </a:fillRef>
+          <a:effectRef idx="0">
+            <a:schemeClr val="accent1"/>
+          </a:effectRef>
+          <a:fontRef idx="minor">
+            <a:schemeClr val="tx1"/>
+          </a:fontRef>
+        </p:style>
+      </p:cxnSp>
+      <p:sp>
+        <p:nvSpPr>
+          <p:cNvPr id="46" name="椭圆 45">
+            <a:extLst>
+              <a:ext uri="{FF2B5EF4-FFF2-40B4-BE49-F238E27FC236}">
+                <a16:creationId xmlns:a16="http://schemas.microsoft.com/office/drawing/2014/main" id="{920D461B-D285-45C1-830E-3E9F93EC07F2}"/>
+              </a:ext>
+            </a:extLst>
+          </p:cNvPr>
+          <p:cNvSpPr/>
+          <p:nvPr/>
+        </p:nvSpPr>
+        <p:spPr>
+          <a:xfrm>
+            <a:off x="12268199" y="2731593"/>
+            <a:ext cx="630382" cy="630382"/>
+          </a:xfrm>
+          <a:prstGeom prst="ellipse">
+            <a:avLst/>
+          </a:prstGeom>
+          <a:ln w="57150"/>
+        </p:spPr>
+        <p:style>
+          <a:lnRef idx="2">
+            <a:schemeClr val="accent1"/>
+          </a:lnRef>
+          <a:fillRef idx="1">
+            <a:schemeClr val="lt1"/>
+          </a:fillRef>
+          <a:effectRef idx="0">
+            <a:schemeClr val="accent1"/>
+          </a:effectRef>
+          <a:fontRef idx="minor">
+            <a:schemeClr val="dk1"/>
+          </a:fontRef>
+        </p:style>
+        <p:txBody>
+          <a:bodyPr rtlCol="0" anchor="ctr"/>
+          <a:lstStyle/>
+          <a:p>
+            <a:pPr algn="ctr"/>
+            <a:r>
+              <a:rPr lang="en-US" altLang="zh-CN" dirty="0">
+                <a:latin typeface="Courier +  BOLDITALIC" panose="0202E200000000000000" pitchFamily="18" charset="-122"/>
+                <a:ea typeface="Courier +  BOLDITALIC" panose="0202E200000000000000" pitchFamily="18" charset="-122"/>
+              </a:rPr>
+              <a:t>1</a:t>
+            </a:r>
+            <a:endParaRPr lang="zh-CN" altLang="en-US" dirty="0">
+              <a:latin typeface="Courier +  BOLDITALIC" panose="0202E200000000000000" pitchFamily="18" charset="-122"/>
+              <a:ea typeface="Courier +  BOLDITALIC" panose="0202E200000000000000" pitchFamily="18" charset="-122"/>
+            </a:endParaRPr>
+          </a:p>
+        </p:txBody>
+      </p:sp>
+      <p:cxnSp>
+        <p:nvCxnSpPr>
+          <p:cNvPr id="51" name="连接符: 曲线 50">
+            <a:extLst>
+              <a:ext uri="{FF2B5EF4-FFF2-40B4-BE49-F238E27FC236}">
+                <a16:creationId xmlns:a16="http://schemas.microsoft.com/office/drawing/2014/main" id="{388788D9-08C9-4CB4-A7E2-2FAED0884597}"/>
+              </a:ext>
+            </a:extLst>
+          </p:cNvPr>
+          <p:cNvCxnSpPr>
+            <a:cxnSpLocks/>
+            <a:stCxn id="46" idx="2"/>
+            <a:endCxn id="37" idx="6"/>
+          </p:cNvCxnSpPr>
+          <p:nvPr/>
+        </p:nvCxnSpPr>
+        <p:spPr>
+          <a:xfrm rot="10800000">
+            <a:off x="11478491" y="3034146"/>
+            <a:ext cx="789709" cy="12638"/>
+          </a:xfrm>
+          <a:prstGeom prst="curvedConnector3">
+            <a:avLst>
+              <a:gd name="adj1" fmla="val 50000"/>
+            </a:avLst>
+          </a:prstGeom>
+          <a:ln w="57150">
+            <a:headEnd type="triangle" w="med" len="med"/>
+            <a:tailEnd type="none" w="med" len="med"/>
+          </a:ln>
+        </p:spPr>
+        <p:style>
+          <a:lnRef idx="1">
+            <a:schemeClr val="accent1"/>
+          </a:lnRef>
+          <a:fillRef idx="0">
+            <a:schemeClr val="accent1"/>
+          </a:fillRef>
+          <a:effectRef idx="0">
+            <a:schemeClr val="accent1"/>
+          </a:effectRef>
+          <a:fontRef idx="minor">
+            <a:schemeClr val="tx1"/>
+          </a:fontRef>
+        </p:style>
+      </p:cxnSp>
+      <p:sp>
+        <p:nvSpPr>
+          <p:cNvPr id="54" name="对话气泡: 圆角矩形 53">
+            <a:extLst>
+              <a:ext uri="{FF2B5EF4-FFF2-40B4-BE49-F238E27FC236}">
+                <a16:creationId xmlns:a16="http://schemas.microsoft.com/office/drawing/2014/main" id="{3D1C93A3-D28F-4E63-B4F7-DDF6AE0C5A21}"/>
+              </a:ext>
+            </a:extLst>
+          </p:cNvPr>
+          <p:cNvSpPr/>
+          <p:nvPr/>
+        </p:nvSpPr>
+        <p:spPr>
+          <a:xfrm>
+            <a:off x="2209798" y="1988128"/>
+            <a:ext cx="1884220" cy="437480"/>
+          </a:xfrm>
+          <a:prstGeom prst="wedgeRoundRectCallout">
+            <a:avLst>
+              <a:gd name="adj1" fmla="val -31862"/>
+              <a:gd name="adj2" fmla="val 118089"/>
+              <a:gd name="adj3" fmla="val 16667"/>
+            </a:avLst>
+          </a:prstGeom>
+          <a:ln w="57150"/>
+        </p:spPr>
+        <p:style>
+          <a:lnRef idx="2">
+            <a:schemeClr val="accent1"/>
+          </a:lnRef>
+          <a:fillRef idx="1">
+            <a:schemeClr val="lt1"/>
+          </a:fillRef>
+          <a:effectRef idx="0">
+            <a:schemeClr val="accent1"/>
+          </a:effectRef>
+          <a:fontRef idx="minor">
+            <a:schemeClr val="dk1"/>
+          </a:fontRef>
+        </p:style>
+        <p:txBody>
+          <a:bodyPr rtlCol="0" anchor="ctr"/>
+          <a:lstStyle/>
+          <a:p>
+            <a:pPr algn="ctr"/>
+            <a:r>
+              <a:rPr lang="en-US" altLang="zh-CN" sz="1400" dirty="0">
+                <a:effectLst>
+                  <a:outerShdw blurRad="38100" dist="38100" dir="2700000" algn="tl">
+                    <a:srgbClr val="000000">
+                      <a:alpha val="43137"/>
+                    </a:srgbClr>
+                  </a:outerShdw>
+                </a:effectLst>
+                <a:latin typeface="Courier +  BOLDITALIC" panose="0202E200000000000000" pitchFamily="18" charset="-122"/>
+                <a:ea typeface="Courier +  BOLDITALIC" panose="0202E200000000000000" pitchFamily="18" charset="-122"/>
+              </a:rPr>
+              <a:t>Common neighbor</a:t>
+            </a:r>
+            <a:endParaRPr lang="zh-CN" altLang="en-US" sz="1400" dirty="0">
+              <a:effectLst>
+                <a:outerShdw blurRad="38100" dist="38100" dir="2700000" algn="tl">
+                  <a:srgbClr val="000000">
+                    <a:alpha val="43137"/>
+                  </a:srgbClr>
+                </a:outerShdw>
+              </a:effectLst>
+              <a:latin typeface="Courier +  BOLDITALIC" panose="0202E200000000000000" pitchFamily="18" charset="-122"/>
+              <a:ea typeface="Courier +  BOLDITALIC" panose="0202E200000000000000" pitchFamily="18" charset="-122"/>
+            </a:endParaRPr>
+          </a:p>
+        </p:txBody>
+      </p:sp>
+      <p:sp>
+        <p:nvSpPr>
+          <p:cNvPr id="56" name="文本框 55">
+            <a:extLst>
+              <a:ext uri="{FF2B5EF4-FFF2-40B4-BE49-F238E27FC236}">
+                <a16:creationId xmlns:a16="http://schemas.microsoft.com/office/drawing/2014/main" id="{542E76F9-6B9A-4F85-A7E8-9CCFFE95430C}"/>
+              </a:ext>
+            </a:extLst>
+          </p:cNvPr>
+          <p:cNvSpPr txBox="1"/>
+          <p:nvPr/>
+        </p:nvSpPr>
+        <p:spPr>
+          <a:xfrm>
+            <a:off x="1169507" y="1234748"/>
+            <a:ext cx="2265218" cy="369332"/>
+          </a:xfrm>
+          <a:prstGeom prst="rect">
+            <a:avLst/>
+          </a:prstGeom>
+          <a:noFill/>
+          <a:ln w="38100">
+            <a:solidFill>
+              <a:schemeClr val="tx1"/>
+            </a:solidFill>
+          </a:ln>
+        </p:spPr>
+        <p:txBody>
+          <a:bodyPr wrap="square" rtlCol="0">
+            <a:spAutoFit/>
+          </a:bodyPr>
+          <a:lstStyle/>
+          <a:p>
+            <a:pPr algn="ctr"/>
+            <a:r>
+              <a:rPr lang="en-US" altLang="zh-CN" b="1" dirty="0">
+                <a:effectLst>
+                  <a:outerShdw blurRad="38100" dist="38100" dir="2700000" algn="tl">
+                    <a:srgbClr val="000000">
+                      <a:alpha val="43137"/>
+                    </a:srgbClr>
+                  </a:outerShdw>
+                </a:effectLst>
+                <a:latin typeface="Courier +  BOLDITALIC" panose="0202E200000000000000" pitchFamily="18" charset="-122"/>
+                <a:ea typeface="Courier +  BOLDITALIC" panose="0202E200000000000000" pitchFamily="18" charset="-122"/>
+              </a:rPr>
+              <a:t>Topology Graph</a:t>
+            </a:r>
+            <a:endParaRPr lang="zh-CN" altLang="en-US" b="1" dirty="0">
+              <a:effectLst>
+                <a:outerShdw blurRad="38100" dist="38100" dir="2700000" algn="tl">
+                  <a:srgbClr val="000000">
+                    <a:alpha val="43137"/>
+                  </a:srgbClr>
+                </a:outerShdw>
+              </a:effectLst>
+              <a:latin typeface="Courier +  BOLDITALIC" panose="0202E200000000000000" pitchFamily="18" charset="-122"/>
+              <a:ea typeface="Courier +  BOLDITALIC" panose="0202E200000000000000" pitchFamily="18" charset="-122"/>
+            </a:endParaRPr>
+          </a:p>
+        </p:txBody>
+      </p:sp>
+      <p:sp>
+        <p:nvSpPr>
+          <p:cNvPr id="57" name="文本框 56">
+            <a:extLst>
+              <a:ext uri="{FF2B5EF4-FFF2-40B4-BE49-F238E27FC236}">
+                <a16:creationId xmlns:a16="http://schemas.microsoft.com/office/drawing/2014/main" id="{39E53B82-00FA-4A1F-8E8B-45C7F937820E}"/>
+              </a:ext>
+            </a:extLst>
+          </p:cNvPr>
+          <p:cNvSpPr txBox="1"/>
+          <p:nvPr/>
+        </p:nvSpPr>
+        <p:spPr>
+          <a:xfrm>
+            <a:off x="4923557" y="1231684"/>
+            <a:ext cx="2682587" cy="369332"/>
+          </a:xfrm>
+          <a:prstGeom prst="rect">
+            <a:avLst/>
+          </a:prstGeom>
+          <a:noFill/>
+          <a:ln w="38100">
+            <a:solidFill>
+              <a:schemeClr val="tx1"/>
+            </a:solidFill>
+          </a:ln>
+        </p:spPr>
+        <p:txBody>
+          <a:bodyPr wrap="square" rtlCol="0">
+            <a:spAutoFit/>
+          </a:bodyPr>
+          <a:lstStyle/>
+          <a:p>
+            <a:pPr algn="ctr"/>
+            <a:r>
+              <a:rPr lang="en-US" altLang="zh-CN" b="1" dirty="0">
+                <a:effectLst>
+                  <a:outerShdw blurRad="38100" dist="38100" dir="2700000" algn="tl">
+                    <a:srgbClr val="000000">
+                      <a:alpha val="43137"/>
+                    </a:srgbClr>
+                  </a:outerShdw>
+                </a:effectLst>
+                <a:latin typeface="Courier +  BOLDITALIC" panose="0202E200000000000000" pitchFamily="18" charset="-122"/>
+                <a:ea typeface="Courier +  BOLDITALIC" panose="0202E200000000000000" pitchFamily="18" charset="-122"/>
+              </a:rPr>
+              <a:t>Computation Graph</a:t>
+            </a:r>
+            <a:endParaRPr lang="zh-CN" altLang="en-US" b="1" dirty="0">
+              <a:effectLst>
+                <a:outerShdw blurRad="38100" dist="38100" dir="2700000" algn="tl">
+                  <a:srgbClr val="000000">
+                    <a:alpha val="43137"/>
+                  </a:srgbClr>
+                </a:outerShdw>
+              </a:effectLst>
+              <a:latin typeface="Courier +  BOLDITALIC" panose="0202E200000000000000" pitchFamily="18" charset="-122"/>
+              <a:ea typeface="Courier +  BOLDITALIC" panose="0202E200000000000000" pitchFamily="18" charset="-122"/>
+            </a:endParaRPr>
+          </a:p>
+        </p:txBody>
+      </p:sp>
+      <p:sp>
+        <p:nvSpPr>
+          <p:cNvPr id="58" name="文本框 57">
+            <a:extLst>
+              <a:ext uri="{FF2B5EF4-FFF2-40B4-BE49-F238E27FC236}">
+                <a16:creationId xmlns:a16="http://schemas.microsoft.com/office/drawing/2014/main" id="{A2E99204-B1A9-4C27-8BC2-05C3B509B3E0}"/>
+              </a:ext>
+            </a:extLst>
+          </p:cNvPr>
+          <p:cNvSpPr txBox="1"/>
+          <p:nvPr/>
+        </p:nvSpPr>
+        <p:spPr>
+          <a:xfrm>
+            <a:off x="9510278" y="1234748"/>
+            <a:ext cx="2682587" cy="369332"/>
+          </a:xfrm>
+          <a:prstGeom prst="rect">
+            <a:avLst/>
+          </a:prstGeom>
+          <a:noFill/>
+          <a:ln w="38100">
+            <a:solidFill>
+              <a:schemeClr val="tx1"/>
+            </a:solidFill>
+          </a:ln>
+        </p:spPr>
+        <p:txBody>
+          <a:bodyPr wrap="square" rtlCol="0">
+            <a:spAutoFit/>
+          </a:bodyPr>
+          <a:lstStyle/>
+          <a:p>
+            <a:pPr algn="ctr"/>
+            <a:r>
+              <a:rPr lang="en-US" altLang="zh-CN" b="1" dirty="0">
+                <a:effectLst>
+                  <a:outerShdw blurRad="38100" dist="38100" dir="2700000" algn="tl">
+                    <a:srgbClr val="000000">
+                      <a:alpha val="43137"/>
+                    </a:srgbClr>
+                  </a:outerShdw>
+                </a:effectLst>
+                <a:latin typeface="Courier +  BOLDITALIC" panose="0202E200000000000000" pitchFamily="18" charset="-122"/>
+                <a:ea typeface="Courier +  BOLDITALIC" panose="0202E200000000000000" pitchFamily="18" charset="-122"/>
+              </a:rPr>
+              <a:t>HAG</a:t>
+            </a:r>
+            <a:endParaRPr lang="zh-CN" altLang="en-US" b="1" dirty="0">
+              <a:effectLst>
+                <a:outerShdw blurRad="38100" dist="38100" dir="2700000" algn="tl">
+                  <a:srgbClr val="000000">
+                    <a:alpha val="43137"/>
+                  </a:srgbClr>
+                </a:outerShdw>
+              </a:effectLst>
+              <a:latin typeface="Courier +  BOLDITALIC" panose="0202E200000000000000" pitchFamily="18" charset="-122"/>
+              <a:ea typeface="Courier +  BOLDITALIC" panose="0202E200000000000000" pitchFamily="18" charset="-122"/>
+            </a:endParaRPr>
+          </a:p>
+        </p:txBody>
+      </p:sp>
+      <p:sp>
+        <p:nvSpPr>
+          <p:cNvPr id="59" name="对话气泡: 圆角矩形 58">
+            <a:extLst>
+              <a:ext uri="{FF2B5EF4-FFF2-40B4-BE49-F238E27FC236}">
+                <a16:creationId xmlns:a16="http://schemas.microsoft.com/office/drawing/2014/main" id="{A44C4ECD-F250-42E6-B466-ADAADAA3CC78}"/>
+              </a:ext>
+            </a:extLst>
+          </p:cNvPr>
+          <p:cNvSpPr/>
+          <p:nvPr/>
+        </p:nvSpPr>
+        <p:spPr>
+          <a:xfrm>
+            <a:off x="6934196" y="2045339"/>
+            <a:ext cx="1884220" cy="437480"/>
+          </a:xfrm>
+          <a:prstGeom prst="wedgeRoundRectCallout">
+            <a:avLst>
+              <a:gd name="adj1" fmla="val -31862"/>
+              <a:gd name="adj2" fmla="val 118089"/>
+              <a:gd name="adj3" fmla="val 16667"/>
+            </a:avLst>
+          </a:prstGeom>
+          <a:ln w="57150"/>
+        </p:spPr>
+        <p:style>
+          <a:lnRef idx="2">
+            <a:schemeClr val="accent1"/>
+          </a:lnRef>
+          <a:fillRef idx="1">
+            <a:schemeClr val="lt1"/>
+          </a:fillRef>
+          <a:effectRef idx="0">
+            <a:schemeClr val="accent1"/>
+          </a:effectRef>
+          <a:fontRef idx="minor">
+            <a:schemeClr val="dk1"/>
+          </a:fontRef>
+        </p:style>
+        <p:txBody>
+          <a:bodyPr rtlCol="0" anchor="ctr"/>
+          <a:lstStyle/>
+          <a:p>
+            <a:pPr algn="ctr"/>
+            <a:r>
+              <a:rPr lang="en-US" altLang="zh-CN" sz="1400" dirty="0">
+                <a:effectLst>
+                  <a:outerShdw blurRad="38100" dist="38100" dir="2700000" algn="tl">
+                    <a:srgbClr val="000000">
+                      <a:alpha val="43137"/>
+                    </a:srgbClr>
+                  </a:outerShdw>
+                </a:effectLst>
+                <a:latin typeface="Courier +  BOLDITALIC" panose="0202E200000000000000" pitchFamily="18" charset="-122"/>
+                <a:ea typeface="Courier +  BOLDITALIC" panose="0202E200000000000000" pitchFamily="18" charset="-122"/>
+              </a:rPr>
+              <a:t>Common target</a:t>
+            </a:r>
+            <a:endParaRPr lang="zh-CN" altLang="en-US" sz="1400" dirty="0">
+              <a:effectLst>
+                <a:outerShdw blurRad="38100" dist="38100" dir="2700000" algn="tl">
+                  <a:srgbClr val="000000">
+                    <a:alpha val="43137"/>
+                  </a:srgbClr>
+                </a:outerShdw>
+              </a:effectLst>
+              <a:latin typeface="Courier +  BOLDITALIC" panose="0202E200000000000000" pitchFamily="18" charset="-122"/>
+              <a:ea typeface="Courier +  BOLDITALIC" panose="0202E200000000000000" pitchFamily="18" charset="-122"/>
+            </a:endParaRPr>
+          </a:p>
+        </p:txBody>
+      </p:sp>
+      <p:sp>
+        <p:nvSpPr>
+          <p:cNvPr id="60" name="对话气泡: 圆角矩形 59">
+            <a:extLst>
+              <a:ext uri="{FF2B5EF4-FFF2-40B4-BE49-F238E27FC236}">
+                <a16:creationId xmlns:a16="http://schemas.microsoft.com/office/drawing/2014/main" id="{B17F4418-0BA9-4CE3-A66F-B82CCE9C2101}"/>
+              </a:ext>
+            </a:extLst>
+          </p:cNvPr>
+          <p:cNvSpPr/>
+          <p:nvPr/>
+        </p:nvSpPr>
+        <p:spPr>
+          <a:xfrm>
+            <a:off x="10917382" y="1978922"/>
+            <a:ext cx="1884220" cy="437480"/>
+          </a:xfrm>
+          <a:prstGeom prst="wedgeRoundRectCallout">
+            <a:avLst>
+              <a:gd name="adj1" fmla="val -31862"/>
+              <a:gd name="adj2" fmla="val 118089"/>
+              <a:gd name="adj3" fmla="val 16667"/>
+            </a:avLst>
+          </a:prstGeom>
+          <a:ln w="57150"/>
+        </p:spPr>
+        <p:style>
+          <a:lnRef idx="2">
+            <a:schemeClr val="accent1"/>
+          </a:lnRef>
+          <a:fillRef idx="1">
+            <a:schemeClr val="lt1"/>
+          </a:fillRef>
+          <a:effectRef idx="0">
+            <a:schemeClr val="accent1"/>
+          </a:effectRef>
+          <a:fontRef idx="minor">
+            <a:schemeClr val="dk1"/>
+          </a:fontRef>
+        </p:style>
+        <p:txBody>
+          <a:bodyPr rtlCol="0" anchor="ctr"/>
+          <a:lstStyle/>
+          <a:p>
+            <a:pPr algn="ctr"/>
+            <a:r>
+              <a:rPr lang="en-US" altLang="zh-CN" sz="1400" dirty="0">
+                <a:effectLst>
+                  <a:outerShdw blurRad="38100" dist="38100" dir="2700000" algn="tl">
+                    <a:srgbClr val="000000">
+                      <a:alpha val="43137"/>
+                    </a:srgbClr>
+                  </a:outerShdw>
+                </a:effectLst>
+                <a:latin typeface="Courier +  BOLDITALIC" panose="0202E200000000000000" pitchFamily="18" charset="-122"/>
+                <a:ea typeface="Courier +  BOLDITALIC" panose="0202E200000000000000" pitchFamily="18" charset="-122"/>
+              </a:rPr>
+              <a:t>aggregated node</a:t>
+            </a:r>
+            <a:endParaRPr lang="zh-CN" altLang="en-US" sz="1400" dirty="0">
+              <a:effectLst>
+                <a:outerShdw blurRad="38100" dist="38100" dir="2700000" algn="tl">
+                  <a:srgbClr val="000000">
+                    <a:alpha val="43137"/>
+                  </a:srgbClr>
+                </a:outerShdw>
+              </a:effectLst>
+              <a:latin typeface="Courier +  BOLDITALIC" panose="0202E200000000000000" pitchFamily="18" charset="-122"/>
+              <a:ea typeface="Courier +  BOLDITALIC" panose="0202E200000000000000" pitchFamily="18" charset="-122"/>
+            </a:endParaRPr>
+          </a:p>
+        </p:txBody>
+      </p:sp>
+      <mc:AlternateContent xmlns:mc="http://schemas.openxmlformats.org/markup-compatibility/2006">
+        <mc:Choice xmlns:a14="http://schemas.microsoft.com/office/drawing/2010/main" Requires="a14">
+          <p:sp>
+            <p:nvSpPr>
+              <p:cNvPr id="64" name="文本框 63">
+                <a:extLst>
+                  <a:ext uri="{FF2B5EF4-FFF2-40B4-BE49-F238E27FC236}">
+                    <a16:creationId xmlns:a16="http://schemas.microsoft.com/office/drawing/2014/main" id="{C2E42481-169C-4CB9-93E7-795DD72EE5B2}"/>
+                  </a:ext>
+                </a:extLst>
+              </p:cNvPr>
+              <p:cNvSpPr txBox="1"/>
+              <p:nvPr/>
+            </p:nvSpPr>
+            <p:spPr>
+              <a:xfrm>
+                <a:off x="1047158" y="4863422"/>
+                <a:ext cx="1884220" cy="1139414"/>
+              </a:xfrm>
+              <a:prstGeom prst="rect">
+                <a:avLst/>
+              </a:prstGeom>
+              <a:ln w="38100"/>
+            </p:spPr>
+            <p:style>
+              <a:lnRef idx="2">
+                <a:schemeClr val="accent1"/>
+              </a:lnRef>
+              <a:fillRef idx="1">
+                <a:schemeClr val="lt1"/>
+              </a:fillRef>
+              <a:effectRef idx="0">
+                <a:schemeClr val="accent1"/>
+              </a:effectRef>
+              <a:fontRef idx="minor">
+                <a:schemeClr val="dk1"/>
+              </a:fontRef>
+            </p:style>
+            <p:txBody>
+              <a:bodyPr wrap="square" lIns="0" tIns="0" rIns="0" bIns="0" rtlCol="0">
+                <a:spAutoFit/>
+              </a:bodyPr>
+              <a:lstStyle/>
+              <a:p>
+                <a14:m>
+                  <m:oMathPara xmlns:m="http://schemas.openxmlformats.org/officeDocument/2006/math">
+                    <m:oMathParaPr>
+                      <m:jc m:val="centerGroup"/>
+                    </m:oMathParaPr>
+                    <m:oMath xmlns:m="http://schemas.openxmlformats.org/officeDocument/2006/math">
+                      <m:m>
+                        <m:mPr>
+                          <m:mcs>
+                            <m:mc>
+                              <m:mcPr>
+                                <m:count m:val="3"/>
+                                <m:mcJc m:val="center"/>
+                              </m:mcPr>
+                            </m:mc>
+                          </m:mcs>
+                          <m:ctrlPr>
+                            <a:rPr lang="en-US" altLang="zh-CN" sz="2800" i="1" smtClean="0">
+                              <a:latin typeface="Cambria Math" panose="02040503050406030204" pitchFamily="18" charset="0"/>
+                            </a:rPr>
+                          </m:ctrlPr>
+                        </m:mPr>
+                        <m:mr>
+                          <m:e>
+                            <m:r>
+                              <m:rPr>
+                                <m:brk m:alnAt="7"/>
+                              </m:rPr>
+                              <a:rPr lang="en-US" altLang="zh-CN" sz="2800" b="0" i="1" smtClean="0">
+                                <a:latin typeface="Cambria Math" panose="02040503050406030204" pitchFamily="18" charset="0"/>
+                              </a:rPr>
+                              <m:t>0</m:t>
+                            </m:r>
+                          </m:e>
+                          <m:e>
+                            <m:r>
+                              <a:rPr lang="en-US" altLang="zh-CN" sz="2800" b="0" i="1" smtClean="0">
+                                <a:latin typeface="Cambria Math" panose="02040503050406030204" pitchFamily="18" charset="0"/>
+                              </a:rPr>
+                              <m:t>1</m:t>
+                            </m:r>
+                          </m:e>
+                          <m:e>
+                            <m:r>
+                              <a:rPr lang="en-US" altLang="zh-CN" sz="2800" b="0" i="1" smtClean="0">
+                                <a:latin typeface="Cambria Math" panose="02040503050406030204" pitchFamily="18" charset="0"/>
+                              </a:rPr>
+                              <m:t>0</m:t>
+                            </m:r>
+                          </m:e>
+                        </m:mr>
+                        <m:mr>
+                          <m:e>
+                            <m:r>
+                              <a:rPr lang="en-US" altLang="zh-CN" sz="2800" b="0" i="1" smtClean="0">
+                                <a:latin typeface="Cambria Math" panose="02040503050406030204" pitchFamily="18" charset="0"/>
+                              </a:rPr>
+                              <m:t>1</m:t>
+                            </m:r>
+                          </m:e>
+                          <m:e>
+                            <m:r>
+                              <a:rPr lang="en-US" altLang="zh-CN" sz="2800" b="0" i="1" smtClean="0">
+                                <a:latin typeface="Cambria Math" panose="02040503050406030204" pitchFamily="18" charset="0"/>
+                              </a:rPr>
+                              <m:t>0</m:t>
+                            </m:r>
+                          </m:e>
+                          <m:e>
+                            <m:r>
+                              <a:rPr lang="en-US" altLang="zh-CN" sz="2800" b="0" i="1" smtClean="0">
+                                <a:latin typeface="Cambria Math" panose="02040503050406030204" pitchFamily="18" charset="0"/>
+                              </a:rPr>
+                              <m:t>1</m:t>
+                            </m:r>
+                          </m:e>
+                        </m:mr>
+                        <m:mr>
+                          <m:e>
+                            <m:r>
+                              <a:rPr lang="en-US" altLang="zh-CN" sz="2800" b="0" i="1" smtClean="0">
+                                <a:latin typeface="Cambria Math" panose="02040503050406030204" pitchFamily="18" charset="0"/>
+                              </a:rPr>
+                              <m:t>0</m:t>
+                            </m:r>
+                          </m:e>
+                          <m:e>
+                            <m:r>
+                              <a:rPr lang="en-US" altLang="zh-CN" sz="2800" b="0" i="1" smtClean="0">
+                                <a:latin typeface="Cambria Math" panose="02040503050406030204" pitchFamily="18" charset="0"/>
+                              </a:rPr>
+                              <m:t>1</m:t>
+                            </m:r>
+                          </m:e>
+                          <m:e>
+                            <m:r>
+                              <a:rPr lang="en-US" altLang="zh-CN" sz="2800" b="0" i="1" smtClean="0">
+                                <a:latin typeface="Cambria Math" panose="02040503050406030204" pitchFamily="18" charset="0"/>
+                              </a:rPr>
+                              <m:t>0</m:t>
+                            </m:r>
+                          </m:e>
+                        </m:mr>
+                      </m:m>
+                    </m:oMath>
+                  </m:oMathPara>
+                </a14:m>
+                <a:endParaRPr lang="zh-CN" altLang="en-US" dirty="0"/>
+              </a:p>
+            </p:txBody>
+          </p:sp>
+        </mc:Choice>
+        <mc:Fallback>
+          <p:sp>
+            <p:nvSpPr>
+              <p:cNvPr id="64" name="文本框 63">
+                <a:extLst>
+                  <a:ext uri="{FF2B5EF4-FFF2-40B4-BE49-F238E27FC236}">
+                    <a16:creationId xmlns:a16="http://schemas.microsoft.com/office/drawing/2014/main" id="{C2E42481-169C-4CB9-93E7-795DD72EE5B2}"/>
+                  </a:ext>
+                </a:extLst>
+              </p:cNvPr>
+              <p:cNvSpPr txBox="1">
+                <a:spLocks noRot="1" noChangeAspect="1" noMove="1" noResize="1" noEditPoints="1" noAdjustHandles="1" noChangeArrowheads="1" noChangeShapeType="1" noTextEdit="1"/>
+              </p:cNvSpPr>
+              <p:nvPr/>
+            </p:nvSpPr>
+            <p:spPr>
+              <a:xfrm>
+                <a:off x="1047158" y="4863422"/>
+                <a:ext cx="1884220" cy="1139414"/>
+              </a:xfrm>
+              <a:prstGeom prst="rect">
+                <a:avLst/>
+              </a:prstGeom>
+              <a:blipFill>
+                <a:blip r:embed="rId2"/>
+                <a:stretch>
+                  <a:fillRect/>
+                </a:stretch>
+              </a:blipFill>
+              <a:ln w="38100"/>
+            </p:spPr>
+            <p:txBody>
+              <a:bodyPr/>
+              <a:lstStyle/>
+              <a:p>
+                <a:r>
+                  <a:rPr lang="zh-CN" altLang="en-US">
+                    <a:noFill/>
+                  </a:rPr>
+                  <a:t> </a:t>
+                </a:r>
+              </a:p>
+            </p:txBody>
+          </p:sp>
+        </mc:Fallback>
+      </mc:AlternateContent>
+      <mc:AlternateContent xmlns:mc="http://schemas.openxmlformats.org/markup-compatibility/2006">
+        <mc:Choice xmlns:a14="http://schemas.microsoft.com/office/drawing/2010/main" Requires="a14">
+          <p:sp>
+            <p:nvSpPr>
+              <p:cNvPr id="65" name="文本框 64">
+                <a:extLst>
+                  <a:ext uri="{FF2B5EF4-FFF2-40B4-BE49-F238E27FC236}">
+                    <a16:creationId xmlns:a16="http://schemas.microsoft.com/office/drawing/2014/main" id="{B291751E-6C37-4123-909B-FC74680CF268}"/>
+                  </a:ext>
+                </a:extLst>
+              </p:cNvPr>
+              <p:cNvSpPr txBox="1"/>
+              <p:nvPr/>
+            </p:nvSpPr>
+            <p:spPr>
+              <a:xfrm>
+                <a:off x="5322740" y="4939312"/>
+                <a:ext cx="1884220" cy="1139414"/>
+              </a:xfrm>
+              <a:prstGeom prst="rect">
+                <a:avLst/>
+              </a:prstGeom>
+              <a:ln w="38100"/>
+            </p:spPr>
+            <p:style>
+              <a:lnRef idx="2">
+                <a:schemeClr val="accent1"/>
+              </a:lnRef>
+              <a:fillRef idx="1">
+                <a:schemeClr val="lt1"/>
+              </a:fillRef>
+              <a:effectRef idx="0">
+                <a:schemeClr val="accent1"/>
+              </a:effectRef>
+              <a:fontRef idx="minor">
+                <a:schemeClr val="dk1"/>
+              </a:fontRef>
+            </p:style>
+            <p:txBody>
+              <a:bodyPr wrap="square" lIns="0" tIns="0" rIns="0" bIns="0" rtlCol="0">
+                <a:spAutoFit/>
+              </a:bodyPr>
+              <a:lstStyle/>
+              <a:p>
+                <a14:m>
+                  <m:oMathPara xmlns:m="http://schemas.openxmlformats.org/officeDocument/2006/math">
+                    <m:oMathParaPr>
+                      <m:jc m:val="centerGroup"/>
+                    </m:oMathParaPr>
+                    <m:oMath xmlns:m="http://schemas.openxmlformats.org/officeDocument/2006/math">
+                      <m:m>
+                        <m:mPr>
+                          <m:mcs>
+                            <m:mc>
+                              <m:mcPr>
+                                <m:count m:val="3"/>
+                                <m:mcJc m:val="center"/>
+                              </m:mcPr>
+                            </m:mc>
+                          </m:mcs>
+                          <m:ctrlPr>
+                            <a:rPr lang="en-US" altLang="zh-CN" sz="2800" i="1" smtClean="0">
+                              <a:latin typeface="Cambria Math" panose="02040503050406030204" pitchFamily="18" charset="0"/>
+                            </a:rPr>
+                          </m:ctrlPr>
+                        </m:mPr>
+                        <m:mr>
+                          <m:e>
+                            <m:r>
+                              <m:rPr>
+                                <m:brk m:alnAt="7"/>
+                              </m:rPr>
+                              <a:rPr lang="en-US" altLang="zh-CN" sz="2800" b="0" i="1" smtClean="0">
+                                <a:latin typeface="Cambria Math" panose="02040503050406030204" pitchFamily="18" charset="0"/>
+                              </a:rPr>
+                              <m:t>0</m:t>
+                            </m:r>
+                          </m:e>
+                          <m:e>
+                            <m:r>
+                              <a:rPr lang="en-US" altLang="zh-CN" sz="2800" b="0" i="1" smtClean="0">
+                                <a:latin typeface="Cambria Math" panose="02040503050406030204" pitchFamily="18" charset="0"/>
+                              </a:rPr>
+                              <m:t>1</m:t>
+                            </m:r>
+                          </m:e>
+                          <m:e>
+                            <m:r>
+                              <a:rPr lang="en-US" altLang="zh-CN" sz="2800" b="0" i="1" smtClean="0">
+                                <a:latin typeface="Cambria Math" panose="02040503050406030204" pitchFamily="18" charset="0"/>
+                              </a:rPr>
+                              <m:t>0</m:t>
+                            </m:r>
+                          </m:e>
+                        </m:mr>
+                        <m:mr>
+                          <m:e>
+                            <m:r>
+                              <a:rPr lang="en-US" altLang="zh-CN" sz="2800" b="0" i="1" smtClean="0">
+                                <a:latin typeface="Cambria Math" panose="02040503050406030204" pitchFamily="18" charset="0"/>
+                              </a:rPr>
+                              <m:t>1</m:t>
+                            </m:r>
+                          </m:e>
+                          <m:e>
+                            <m:r>
+                              <a:rPr lang="en-US" altLang="zh-CN" sz="2800" b="0" i="1" smtClean="0">
+                                <a:latin typeface="Cambria Math" panose="02040503050406030204" pitchFamily="18" charset="0"/>
+                              </a:rPr>
+                              <m:t>0</m:t>
+                            </m:r>
+                          </m:e>
+                          <m:e>
+                            <m:r>
+                              <a:rPr lang="en-US" altLang="zh-CN" sz="2800" b="0" i="1" smtClean="0">
+                                <a:latin typeface="Cambria Math" panose="02040503050406030204" pitchFamily="18" charset="0"/>
+                              </a:rPr>
+                              <m:t>1</m:t>
+                            </m:r>
+                          </m:e>
+                        </m:mr>
+                        <m:mr>
+                          <m:e>
+                            <m:r>
+                              <a:rPr lang="en-US" altLang="zh-CN" sz="2800" b="0" i="1" smtClean="0">
+                                <a:latin typeface="Cambria Math" panose="02040503050406030204" pitchFamily="18" charset="0"/>
+                              </a:rPr>
+                              <m:t>0</m:t>
+                            </m:r>
+                          </m:e>
+                          <m:e>
+                            <m:r>
+                              <a:rPr lang="en-US" altLang="zh-CN" sz="2800" b="0" i="1" smtClean="0">
+                                <a:latin typeface="Cambria Math" panose="02040503050406030204" pitchFamily="18" charset="0"/>
+                              </a:rPr>
+                              <m:t>1</m:t>
+                            </m:r>
+                          </m:e>
+                          <m:e>
+                            <m:r>
+                              <a:rPr lang="en-US" altLang="zh-CN" sz="2800" b="0" i="1" smtClean="0">
+                                <a:latin typeface="Cambria Math" panose="02040503050406030204" pitchFamily="18" charset="0"/>
+                              </a:rPr>
+                              <m:t>0</m:t>
+                            </m:r>
+                          </m:e>
+                        </m:mr>
+                      </m:m>
+                    </m:oMath>
+                  </m:oMathPara>
+                </a14:m>
+                <a:endParaRPr lang="zh-CN" altLang="en-US" dirty="0"/>
+              </a:p>
+            </p:txBody>
+          </p:sp>
+        </mc:Choice>
+        <mc:Fallback>
+          <p:sp>
+            <p:nvSpPr>
+              <p:cNvPr id="65" name="文本框 64">
+                <a:extLst>
+                  <a:ext uri="{FF2B5EF4-FFF2-40B4-BE49-F238E27FC236}">
+                    <a16:creationId xmlns:a16="http://schemas.microsoft.com/office/drawing/2014/main" id="{B291751E-6C37-4123-909B-FC74680CF268}"/>
+                  </a:ext>
+                </a:extLst>
+              </p:cNvPr>
+              <p:cNvSpPr txBox="1">
+                <a:spLocks noRot="1" noChangeAspect="1" noMove="1" noResize="1" noEditPoints="1" noAdjustHandles="1" noChangeArrowheads="1" noChangeShapeType="1" noTextEdit="1"/>
+              </p:cNvSpPr>
+              <p:nvPr/>
+            </p:nvSpPr>
+            <p:spPr>
+              <a:xfrm>
+                <a:off x="5322740" y="4939312"/>
+                <a:ext cx="1884220" cy="1139414"/>
+              </a:xfrm>
+              <a:prstGeom prst="rect">
+                <a:avLst/>
+              </a:prstGeom>
+              <a:blipFill>
+                <a:blip r:embed="rId3"/>
+                <a:stretch>
+                  <a:fillRect/>
+                </a:stretch>
+              </a:blipFill>
+              <a:ln w="38100"/>
+            </p:spPr>
+            <p:txBody>
+              <a:bodyPr/>
+              <a:lstStyle/>
+              <a:p>
+                <a:r>
+                  <a:rPr lang="zh-CN" altLang="en-US">
+                    <a:noFill/>
+                  </a:rPr>
+                  <a:t> </a:t>
+                </a:r>
+              </a:p>
+            </p:txBody>
+          </p:sp>
+        </mc:Fallback>
+      </mc:AlternateContent>
+      <mc:AlternateContent xmlns:mc="http://schemas.openxmlformats.org/markup-compatibility/2006">
+        <mc:Choice xmlns:a14="http://schemas.microsoft.com/office/drawing/2010/main" Requires="a14">
+          <p:sp>
+            <p:nvSpPr>
+              <p:cNvPr id="67" name="文本框 66">
+                <a:extLst>
+                  <a:ext uri="{FF2B5EF4-FFF2-40B4-BE49-F238E27FC236}">
+                    <a16:creationId xmlns:a16="http://schemas.microsoft.com/office/drawing/2014/main" id="{36290349-E6DD-4855-A84A-644874659317}"/>
+                  </a:ext>
+                </a:extLst>
+              </p:cNvPr>
+              <p:cNvSpPr txBox="1"/>
+              <p:nvPr/>
+            </p:nvSpPr>
+            <p:spPr>
+              <a:xfrm>
+                <a:off x="10017975" y="4641748"/>
+                <a:ext cx="2684317" cy="1594732"/>
+              </a:xfrm>
+              <a:prstGeom prst="rect">
+                <a:avLst/>
+              </a:prstGeom>
+              <a:ln w="38100"/>
+            </p:spPr>
+            <p:style>
+              <a:lnRef idx="2">
+                <a:schemeClr val="accent1"/>
+              </a:lnRef>
+              <a:fillRef idx="1">
+                <a:schemeClr val="lt1"/>
+              </a:fillRef>
+              <a:effectRef idx="0">
+                <a:schemeClr val="accent1"/>
+              </a:effectRef>
+              <a:fontRef idx="minor">
+                <a:schemeClr val="dk1"/>
+              </a:fontRef>
+            </p:style>
+            <p:txBody>
+              <a:bodyPr wrap="square" lIns="0" tIns="0" rIns="0" bIns="0" rtlCol="0">
+                <a:spAutoFit/>
+              </a:bodyPr>
+              <a:lstStyle/>
+              <a:p>
+                <a14:m>
+                  <m:oMathPara xmlns:m="http://schemas.openxmlformats.org/officeDocument/2006/math">
+                    <m:oMathParaPr>
+                      <m:jc m:val="centerGroup"/>
+                    </m:oMathParaPr>
+                    <m:oMath xmlns:m="http://schemas.openxmlformats.org/officeDocument/2006/math">
+                      <m:m>
+                        <m:mPr>
+                          <m:mcs>
+                            <m:mc>
+                              <m:mcPr>
+                                <m:count m:val="4"/>
+                                <m:mcJc m:val="center"/>
+                              </m:mcPr>
+                            </m:mc>
+                          </m:mcs>
+                          <m:ctrlPr>
+                            <a:rPr lang="en-US" altLang="zh-CN" sz="2800" b="0" i="1" smtClean="0">
+                              <a:latin typeface="Cambria Math" panose="02040503050406030204" pitchFamily="18" charset="0"/>
+                            </a:rPr>
+                          </m:ctrlPr>
+                        </m:mPr>
+                        <m:mr>
+                          <m:e>
+                            <m:r>
+                              <m:rPr>
+                                <m:brk m:alnAt="7"/>
+                              </m:rPr>
+                              <a:rPr lang="en-US" altLang="zh-CN" sz="2800" b="0" i="1" smtClean="0">
+                                <a:latin typeface="Cambria Math" panose="02040503050406030204" pitchFamily="18" charset="0"/>
+                              </a:rPr>
+                              <m:t>0</m:t>
+                            </m:r>
+                          </m:e>
+                          <m:e>
+                            <m:r>
+                              <a:rPr lang="en-US" altLang="zh-CN" sz="2800" b="0" i="1" smtClean="0">
+                                <a:latin typeface="Cambria Math" panose="02040503050406030204" pitchFamily="18" charset="0"/>
+                              </a:rPr>
+                              <m:t>1</m:t>
+                            </m:r>
+                          </m:e>
+                          <m:e>
+                            <m:r>
+                              <a:rPr lang="en-US" altLang="zh-CN" sz="2800" b="0" i="1" smtClean="0">
+                                <a:latin typeface="Cambria Math" panose="02040503050406030204" pitchFamily="18" charset="0"/>
+                              </a:rPr>
+                              <m:t>0</m:t>
+                            </m:r>
+                          </m:e>
+                          <m:e>
+                            <m:r>
+                              <a:rPr lang="en-US" altLang="zh-CN" sz="2800" b="0" i="1" smtClean="0">
+                                <a:latin typeface="Cambria Math" panose="02040503050406030204" pitchFamily="18" charset="0"/>
+                              </a:rPr>
+                              <m:t>0</m:t>
+                            </m:r>
+                          </m:e>
+                        </m:mr>
+                        <m:mr>
+                          <m:e>
+                            <m:r>
+                              <a:rPr lang="en-US" altLang="zh-CN" sz="2800" b="0" i="1" smtClean="0">
+                                <a:latin typeface="Cambria Math" panose="02040503050406030204" pitchFamily="18" charset="0"/>
+                              </a:rPr>
+                              <m:t>0</m:t>
+                            </m:r>
+                          </m:e>
+                          <m:e>
+                            <m:r>
+                              <a:rPr lang="en-US" altLang="zh-CN" sz="2800" b="0" i="1" smtClean="0">
+                                <a:latin typeface="Cambria Math" panose="02040503050406030204" pitchFamily="18" charset="0"/>
+                              </a:rPr>
+                              <m:t>0</m:t>
+                            </m:r>
+                          </m:e>
+                          <m:e>
+                            <m:r>
+                              <a:rPr lang="en-US" altLang="zh-CN" sz="2800" b="0" i="1" smtClean="0">
+                                <a:latin typeface="Cambria Math" panose="02040503050406030204" pitchFamily="18" charset="0"/>
+                              </a:rPr>
+                              <m:t>0</m:t>
+                            </m:r>
+                          </m:e>
+                          <m:e>
+                            <m:r>
+                              <a:rPr lang="en-US" altLang="zh-CN" sz="2800" b="0" i="1" smtClean="0">
+                                <a:latin typeface="Cambria Math" panose="02040503050406030204" pitchFamily="18" charset="0"/>
+                              </a:rPr>
+                              <m:t>1</m:t>
+                            </m:r>
+                          </m:e>
+                        </m:mr>
+                        <m:mr>
+                          <m:e>
+                            <m:r>
+                              <a:rPr lang="en-US" altLang="zh-CN" sz="2800" b="0" i="1" smtClean="0">
+                                <a:latin typeface="Cambria Math" panose="02040503050406030204" pitchFamily="18" charset="0"/>
+                              </a:rPr>
+                              <m:t>0</m:t>
+                            </m:r>
+                          </m:e>
+                          <m:e>
+                            <m:r>
+                              <a:rPr lang="en-US" altLang="zh-CN" sz="2800" b="0" i="1" smtClean="0">
+                                <a:latin typeface="Cambria Math" panose="02040503050406030204" pitchFamily="18" charset="0"/>
+                              </a:rPr>
+                              <m:t>1</m:t>
+                            </m:r>
+                          </m:e>
+                          <m:e>
+                            <m:r>
+                              <a:rPr lang="en-US" altLang="zh-CN" sz="2800" b="0" i="1" smtClean="0">
+                                <a:latin typeface="Cambria Math" panose="02040503050406030204" pitchFamily="18" charset="0"/>
+                              </a:rPr>
+                              <m:t>0</m:t>
+                            </m:r>
+                          </m:e>
+                          <m:e>
+                            <m:r>
+                              <a:rPr lang="en-US" altLang="zh-CN" sz="2800" b="0" i="1" smtClean="0">
+                                <a:latin typeface="Cambria Math" panose="02040503050406030204" pitchFamily="18" charset="0"/>
+                              </a:rPr>
+                              <m:t>0</m:t>
+                            </m:r>
+                          </m:e>
+                        </m:mr>
+                        <m:mr>
+                          <m:e>
+                            <m:r>
+                              <a:rPr lang="en-US" altLang="zh-CN" sz="2800" b="0" i="1" smtClean="0">
+                                <a:latin typeface="Cambria Math" panose="02040503050406030204" pitchFamily="18" charset="0"/>
+                              </a:rPr>
+                              <m:t>1</m:t>
+                            </m:r>
+                          </m:e>
+                          <m:e>
+                            <m:r>
+                              <a:rPr lang="en-US" altLang="zh-CN" sz="2800" b="0" i="1" smtClean="0">
+                                <a:latin typeface="Cambria Math" panose="02040503050406030204" pitchFamily="18" charset="0"/>
+                              </a:rPr>
+                              <m:t>0</m:t>
+                            </m:r>
+                          </m:e>
+                          <m:e>
+                            <m:r>
+                              <a:rPr lang="en-US" altLang="zh-CN" sz="2800" b="0" i="1" smtClean="0">
+                                <a:latin typeface="Cambria Math" panose="02040503050406030204" pitchFamily="18" charset="0"/>
+                              </a:rPr>
+                              <m:t>1</m:t>
+                            </m:r>
+                          </m:e>
+                          <m:e>
+                            <m:r>
+                              <a:rPr lang="en-US" altLang="zh-CN" sz="2800" b="0" i="1" smtClean="0">
+                                <a:latin typeface="Cambria Math" panose="02040503050406030204" pitchFamily="18" charset="0"/>
+                              </a:rPr>
+                              <m:t>0</m:t>
+                            </m:r>
+                          </m:e>
+                        </m:mr>
+                      </m:m>
+                    </m:oMath>
+                  </m:oMathPara>
+                </a14:m>
+                <a:endParaRPr lang="zh-CN" altLang="en-US" dirty="0"/>
+              </a:p>
+            </p:txBody>
+          </p:sp>
+        </mc:Choice>
+        <mc:Fallback>
+          <p:sp>
+            <p:nvSpPr>
+              <p:cNvPr id="67" name="文本框 66">
+                <a:extLst>
+                  <a:ext uri="{FF2B5EF4-FFF2-40B4-BE49-F238E27FC236}">
+                    <a16:creationId xmlns:a16="http://schemas.microsoft.com/office/drawing/2014/main" id="{36290349-E6DD-4855-A84A-644874659317}"/>
+                  </a:ext>
+                </a:extLst>
+              </p:cNvPr>
+              <p:cNvSpPr txBox="1">
+                <a:spLocks noRot="1" noChangeAspect="1" noMove="1" noResize="1" noEditPoints="1" noAdjustHandles="1" noChangeArrowheads="1" noChangeShapeType="1" noTextEdit="1"/>
+              </p:cNvSpPr>
+              <p:nvPr/>
+            </p:nvSpPr>
+            <p:spPr>
+              <a:xfrm>
+                <a:off x="10017975" y="4641748"/>
+                <a:ext cx="2684317" cy="1594732"/>
+              </a:xfrm>
+              <a:prstGeom prst="rect">
+                <a:avLst/>
+              </a:prstGeom>
+              <a:blipFill>
+                <a:blip r:embed="rId4"/>
+                <a:stretch>
+                  <a:fillRect/>
+                </a:stretch>
+              </a:blipFill>
+              <a:ln w="38100"/>
+            </p:spPr>
+            <p:txBody>
+              <a:bodyPr/>
+              <a:lstStyle/>
+              <a:p>
+                <a:r>
+                  <a:rPr lang="zh-CN" altLang="en-US">
+                    <a:noFill/>
+                  </a:rPr>
+                  <a:t> </a:t>
+                </a:r>
+              </a:p>
+            </p:txBody>
+          </p:sp>
+        </mc:Fallback>
+      </mc:AlternateContent>
+      <p:sp>
+        <p:nvSpPr>
+          <p:cNvPr id="68" name="文本框 67">
+            <a:extLst>
+              <a:ext uri="{FF2B5EF4-FFF2-40B4-BE49-F238E27FC236}">
+                <a16:creationId xmlns:a16="http://schemas.microsoft.com/office/drawing/2014/main" id="{1C01B19B-085C-4A2E-8CD3-4942C453D008}"/>
+              </a:ext>
+            </a:extLst>
+          </p:cNvPr>
+          <p:cNvSpPr txBox="1"/>
+          <p:nvPr/>
+        </p:nvSpPr>
+        <p:spPr>
+          <a:xfrm>
+            <a:off x="5696516" y="4401539"/>
+            <a:ext cx="1136668" cy="369332"/>
+          </a:xfrm>
+          <a:prstGeom prst="rect">
+            <a:avLst/>
+          </a:prstGeom>
+          <a:noFill/>
+          <a:ln w="38100">
+            <a:solidFill>
+              <a:schemeClr val="tx1"/>
+            </a:solidFill>
+          </a:ln>
+        </p:spPr>
+        <p:txBody>
+          <a:bodyPr wrap="square" rtlCol="0">
+            <a:spAutoFit/>
+          </a:bodyPr>
+          <a:lstStyle/>
+          <a:p>
+            <a:pPr algn="ctr"/>
+            <a:r>
+              <a:rPr lang="en-US" altLang="zh-CN" b="1" dirty="0">
+                <a:effectLst>
+                  <a:outerShdw blurRad="38100" dist="38100" dir="2700000" algn="tl">
+                    <a:srgbClr val="000000">
+                      <a:alpha val="43137"/>
+                    </a:srgbClr>
+                  </a:outerShdw>
+                </a:effectLst>
+                <a:latin typeface="Courier +  BOLDITALIC" panose="0202E200000000000000" pitchFamily="18" charset="-122"/>
+                <a:ea typeface="Courier +  BOLDITALIC" panose="0202E200000000000000" pitchFamily="18" charset="-122"/>
+              </a:rPr>
+              <a:t>source</a:t>
+            </a:r>
+            <a:endParaRPr lang="zh-CN" altLang="en-US" b="1" dirty="0">
+              <a:effectLst>
+                <a:outerShdw blurRad="38100" dist="38100" dir="2700000" algn="tl">
+                  <a:srgbClr val="000000">
+                    <a:alpha val="43137"/>
+                  </a:srgbClr>
+                </a:outerShdw>
+              </a:effectLst>
+              <a:latin typeface="Courier +  BOLDITALIC" panose="0202E200000000000000" pitchFamily="18" charset="-122"/>
+              <a:ea typeface="Courier +  BOLDITALIC" panose="0202E200000000000000" pitchFamily="18" charset="-122"/>
+            </a:endParaRPr>
+          </a:p>
+        </p:txBody>
+      </p:sp>
+      <p:sp>
+        <p:nvSpPr>
+          <p:cNvPr id="69" name="文本框 68">
+            <a:extLst>
+              <a:ext uri="{FF2B5EF4-FFF2-40B4-BE49-F238E27FC236}">
+                <a16:creationId xmlns:a16="http://schemas.microsoft.com/office/drawing/2014/main" id="{EF79FF52-1DC2-4AD2-A2BD-D80DB6545D62}"/>
+              </a:ext>
+            </a:extLst>
+          </p:cNvPr>
+          <p:cNvSpPr txBox="1"/>
+          <p:nvPr/>
+        </p:nvSpPr>
+        <p:spPr>
+          <a:xfrm>
+            <a:off x="4043196" y="5324353"/>
+            <a:ext cx="1136668" cy="369332"/>
+          </a:xfrm>
+          <a:prstGeom prst="rect">
+            <a:avLst/>
+          </a:prstGeom>
+          <a:noFill/>
+          <a:ln w="38100">
+            <a:solidFill>
+              <a:schemeClr val="tx1"/>
+            </a:solidFill>
+          </a:ln>
+        </p:spPr>
+        <p:txBody>
+          <a:bodyPr wrap="square" rtlCol="0">
+            <a:spAutoFit/>
+          </a:bodyPr>
+          <a:lstStyle/>
+          <a:p>
+            <a:pPr algn="ctr"/>
+            <a:r>
+              <a:rPr lang="en-US" altLang="zh-CN" b="1" dirty="0">
+                <a:effectLst>
+                  <a:outerShdw blurRad="38100" dist="38100" dir="2700000" algn="tl">
+                    <a:srgbClr val="000000">
+                      <a:alpha val="43137"/>
+                    </a:srgbClr>
+                  </a:outerShdw>
+                </a:effectLst>
+                <a:latin typeface="Courier +  BOLDITALIC" panose="0202E200000000000000" pitchFamily="18" charset="-122"/>
+                <a:ea typeface="Courier +  BOLDITALIC" panose="0202E200000000000000" pitchFamily="18" charset="-122"/>
+              </a:rPr>
+              <a:t>target</a:t>
+            </a:r>
+            <a:endParaRPr lang="zh-CN" altLang="en-US" b="1" dirty="0">
+              <a:effectLst>
+                <a:outerShdw blurRad="38100" dist="38100" dir="2700000" algn="tl">
+                  <a:srgbClr val="000000">
+                    <a:alpha val="43137"/>
+                  </a:srgbClr>
+                </a:outerShdw>
+              </a:effectLst>
+              <a:latin typeface="Courier +  BOLDITALIC" panose="0202E200000000000000" pitchFamily="18" charset="-122"/>
+              <a:ea typeface="Courier +  BOLDITALIC" panose="0202E200000000000000" pitchFamily="18" charset="-122"/>
+            </a:endParaRPr>
+          </a:p>
+        </p:txBody>
+      </p:sp>
+      <p:sp>
+        <p:nvSpPr>
+          <p:cNvPr id="70" name="文本框 69">
+            <a:extLst>
+              <a:ext uri="{FF2B5EF4-FFF2-40B4-BE49-F238E27FC236}">
+                <a16:creationId xmlns:a16="http://schemas.microsoft.com/office/drawing/2014/main" id="{0E9B4F38-4394-4EA1-BDB7-36B61CBFADCC}"/>
+              </a:ext>
+            </a:extLst>
+          </p:cNvPr>
+          <p:cNvSpPr txBox="1"/>
+          <p:nvPr/>
+        </p:nvSpPr>
+        <p:spPr>
+          <a:xfrm>
+            <a:off x="10672897" y="4093552"/>
+            <a:ext cx="1136668" cy="369332"/>
+          </a:xfrm>
+          <a:prstGeom prst="rect">
+            <a:avLst/>
+          </a:prstGeom>
+          <a:noFill/>
+          <a:ln w="38100">
+            <a:solidFill>
+              <a:schemeClr val="tx1"/>
+            </a:solidFill>
+          </a:ln>
+        </p:spPr>
+        <p:txBody>
+          <a:bodyPr wrap="square" rtlCol="0">
+            <a:spAutoFit/>
+          </a:bodyPr>
+          <a:lstStyle/>
+          <a:p>
+            <a:pPr algn="ctr"/>
+            <a:r>
+              <a:rPr lang="en-US" altLang="zh-CN" b="1" dirty="0">
+                <a:effectLst>
+                  <a:outerShdw blurRad="38100" dist="38100" dir="2700000" algn="tl">
+                    <a:srgbClr val="000000">
+                      <a:alpha val="43137"/>
+                    </a:srgbClr>
+                  </a:outerShdw>
+                </a:effectLst>
+                <a:latin typeface="Courier +  BOLDITALIC" panose="0202E200000000000000" pitchFamily="18" charset="-122"/>
+                <a:ea typeface="Courier +  BOLDITALIC" panose="0202E200000000000000" pitchFamily="18" charset="-122"/>
+              </a:rPr>
+              <a:t>source</a:t>
+            </a:r>
+            <a:endParaRPr lang="zh-CN" altLang="en-US" b="1" dirty="0">
+              <a:effectLst>
+                <a:outerShdw blurRad="38100" dist="38100" dir="2700000" algn="tl">
+                  <a:srgbClr val="000000">
+                    <a:alpha val="43137"/>
+                  </a:srgbClr>
+                </a:outerShdw>
+              </a:effectLst>
+              <a:latin typeface="Courier +  BOLDITALIC" panose="0202E200000000000000" pitchFamily="18" charset="-122"/>
+              <a:ea typeface="Courier +  BOLDITALIC" panose="0202E200000000000000" pitchFamily="18" charset="-122"/>
+            </a:endParaRPr>
+          </a:p>
+        </p:txBody>
+      </p:sp>
+      <p:sp>
+        <p:nvSpPr>
+          <p:cNvPr id="72" name="文本框 71">
+            <a:extLst>
+              <a:ext uri="{FF2B5EF4-FFF2-40B4-BE49-F238E27FC236}">
+                <a16:creationId xmlns:a16="http://schemas.microsoft.com/office/drawing/2014/main" id="{90AAB410-4E42-4D56-9D09-8979FD2919BE}"/>
+              </a:ext>
+            </a:extLst>
+          </p:cNvPr>
+          <p:cNvSpPr txBox="1"/>
+          <p:nvPr/>
+        </p:nvSpPr>
+        <p:spPr>
+          <a:xfrm>
+            <a:off x="8700356" y="5243795"/>
+            <a:ext cx="1136668" cy="369332"/>
+          </a:xfrm>
+          <a:prstGeom prst="rect">
+            <a:avLst/>
+          </a:prstGeom>
+          <a:noFill/>
+          <a:ln w="38100">
+            <a:solidFill>
+              <a:schemeClr val="tx1"/>
+            </a:solidFill>
+          </a:ln>
+        </p:spPr>
+        <p:txBody>
+          <a:bodyPr wrap="square" rtlCol="0">
+            <a:spAutoFit/>
+          </a:bodyPr>
+          <a:lstStyle/>
+          <a:p>
+            <a:pPr algn="ctr"/>
+            <a:r>
+              <a:rPr lang="en-US" altLang="zh-CN" b="1" dirty="0">
+                <a:effectLst>
+                  <a:outerShdw blurRad="38100" dist="38100" dir="2700000" algn="tl">
+                    <a:srgbClr val="000000">
+                      <a:alpha val="43137"/>
+                    </a:srgbClr>
+                  </a:outerShdw>
+                </a:effectLst>
+                <a:latin typeface="Courier +  BOLDITALIC" panose="0202E200000000000000" pitchFamily="18" charset="-122"/>
+                <a:ea typeface="Courier +  BOLDITALIC" panose="0202E200000000000000" pitchFamily="18" charset="-122"/>
+              </a:rPr>
+              <a:t>target</a:t>
+            </a:r>
+            <a:endParaRPr lang="zh-CN" altLang="en-US" b="1" dirty="0">
+              <a:effectLst>
+                <a:outerShdw blurRad="38100" dist="38100" dir="2700000" algn="tl">
+                  <a:srgbClr val="000000">
+                    <a:alpha val="43137"/>
+                  </a:srgbClr>
+                </a:outerShdw>
+              </a:effectLst>
+              <a:latin typeface="Courier +  BOLDITALIC" panose="0202E200000000000000" pitchFamily="18" charset="-122"/>
+              <a:ea typeface="Courier +  BOLDITALIC" panose="0202E200000000000000" pitchFamily="18" charset="-122"/>
+            </a:endParaRPr>
+          </a:p>
+        </p:txBody>
+      </p:sp>
+    </p:spTree>
+    <p:extLst>
+      <p:ext uri="{BB962C8B-B14F-4D97-AF65-F5344CB8AC3E}">
+        <p14:creationId xmlns:p14="http://schemas.microsoft.com/office/powerpoint/2010/main" val="3945073628"/>
+      </p:ext>
+    </p:extLst>
+  </p:cSld>
+  <p:clrMapOvr>
+    <a:masterClrMapping/>
+  </p:clrMapOvr>
+</p:sld>
+</file>
+
 <file path=ppt/theme/theme1.xml><?xml version="1.0" encoding="utf-8"?>
 <a:theme xmlns:a="http://schemas.openxmlformats.org/drawingml/2006/main" name="Office 主题​​">
   <a:themeElements>
